--- a/Reinforcement Learning/experiments.pptx
+++ b/Reinforcement Learning/experiments.pptx
@@ -106,6 +106,11 @@
       </a:defRPr>
     </a:lvl9pPr>
   </p:defaultTextStyle>
+  <p:extLst>
+    <p:ext uri="{EFAFB233-063F-42B5-8137-9DF3F51BA10A}">
+      <p15:sldGuideLst xmlns:p15="http://schemas.microsoft.com/office/powerpoint/2012/main"/>
+    </p:ext>
+  </p:extLst>
 </p:presentation>
 </file>
 
@@ -322,7 +327,7 @@
           <a:p>
             <a:fld id="{81B8F32D-D8B6-4B9E-9CBF-DCAC30B7B93D}" type="datetimeFigureOut">
               <a:rPr lang="en-US" smtClean="0"/>
-              <a:t>7/19/2021</a:t>
+              <a:t>7/20/2021</a:t>
             </a:fld>
             <a:endParaRPr lang="en-US"/>
           </a:p>
@@ -614,7 +619,7 @@
             <a:fld id="{81B8F32D-D8B6-4B9E-9CBF-DCAC30B7B93D}" type="datetimeFigureOut">
               <a:rPr lang="en-US" smtClean="0"/>
               <a:pPr/>
-              <a:t>7/19/2021</a:t>
+              <a:t>7/20/2021</a:t>
             </a:fld>
             <a:endParaRPr lang="en-US" dirty="0"/>
           </a:p>
@@ -875,7 +880,7 @@
             <a:fld id="{81B8F32D-D8B6-4B9E-9CBF-DCAC30B7B93D}" type="datetimeFigureOut">
               <a:rPr lang="en-US" smtClean="0"/>
               <a:pPr/>
-              <a:t>7/19/2021</a:t>
+              <a:t>7/20/2021</a:t>
             </a:fld>
             <a:endParaRPr lang="en-US" dirty="0"/>
           </a:p>
@@ -1346,7 +1351,7 @@
             <a:fld id="{81B8F32D-D8B6-4B9E-9CBF-DCAC30B7B93D}" type="datetimeFigureOut">
               <a:rPr lang="en-US" smtClean="0"/>
               <a:pPr/>
-              <a:t>7/19/2021</a:t>
+              <a:t>7/20/2021</a:t>
             </a:fld>
             <a:endParaRPr lang="en-US" dirty="0"/>
           </a:p>
@@ -1528,7 +1533,7 @@
             <a:fld id="{81B8F32D-D8B6-4B9E-9CBF-DCAC30B7B93D}" type="datetimeFigureOut">
               <a:rPr lang="en-US" smtClean="0"/>
               <a:pPr/>
-              <a:t>7/19/2021</a:t>
+              <a:t>7/20/2021</a:t>
             </a:fld>
             <a:endParaRPr lang="en-US" dirty="0"/>
           </a:p>
@@ -2106,7 +2111,7 @@
             <a:fld id="{81B8F32D-D8B6-4B9E-9CBF-DCAC30B7B93D}" type="datetimeFigureOut">
               <a:rPr lang="en-US" smtClean="0"/>
               <a:pPr/>
-              <a:t>7/19/2021</a:t>
+              <a:t>7/20/2021</a:t>
             </a:fld>
             <a:endParaRPr lang="en-US" dirty="0"/>
           </a:p>
@@ -2440,7 +2445,7 @@
             <a:fld id="{81B8F32D-D8B6-4B9E-9CBF-DCAC30B7B93D}" type="datetimeFigureOut">
               <a:rPr lang="en-US" smtClean="0"/>
               <a:pPr/>
-              <a:t>7/19/2021</a:t>
+              <a:t>7/20/2021</a:t>
             </a:fld>
             <a:endParaRPr lang="en-US" dirty="0"/>
           </a:p>
@@ -2616,7 +2621,7 @@
           <a:p>
             <a:fld id="{81B8F32D-D8B6-4B9E-9CBF-DCAC30B7B93D}" type="datetimeFigureOut">
               <a:rPr lang="en-US" smtClean="0"/>
-              <a:t>7/19/2021</a:t>
+              <a:t>7/20/2021</a:t>
             </a:fld>
             <a:endParaRPr lang="en-US"/>
           </a:p>
@@ -2796,7 +2801,7 @@
           <a:p>
             <a:fld id="{81B8F32D-D8B6-4B9E-9CBF-DCAC30B7B93D}" type="datetimeFigureOut">
               <a:rPr lang="en-US" smtClean="0"/>
-              <a:t>7/19/2021</a:t>
+              <a:t>7/20/2021</a:t>
             </a:fld>
             <a:endParaRPr lang="en-US"/>
           </a:p>
@@ -2966,7 +2971,7 @@
           <a:p>
             <a:fld id="{81B8F32D-D8B6-4B9E-9CBF-DCAC30B7B93D}" type="datetimeFigureOut">
               <a:rPr lang="en-US" smtClean="0"/>
-              <a:t>7/19/2021</a:t>
+              <a:t>7/20/2021</a:t>
             </a:fld>
             <a:endParaRPr lang="en-US"/>
           </a:p>
@@ -3223,7 +3228,7 @@
           <a:p>
             <a:fld id="{81B8F32D-D8B6-4B9E-9CBF-DCAC30B7B93D}" type="datetimeFigureOut">
               <a:rPr lang="en-US" smtClean="0"/>
-              <a:t>7/19/2021</a:t>
+              <a:t>7/20/2021</a:t>
             </a:fld>
             <a:endParaRPr lang="en-US"/>
           </a:p>
@@ -3515,7 +3520,7 @@
           <a:p>
             <a:fld id="{81B8F32D-D8B6-4B9E-9CBF-DCAC30B7B93D}" type="datetimeFigureOut">
               <a:rPr lang="en-US" smtClean="0"/>
-              <a:t>7/19/2021</a:t>
+              <a:t>7/20/2021</a:t>
             </a:fld>
             <a:endParaRPr lang="en-US"/>
           </a:p>
@@ -3945,7 +3950,7 @@
           <a:p>
             <a:fld id="{81B8F32D-D8B6-4B9E-9CBF-DCAC30B7B93D}" type="datetimeFigureOut">
               <a:rPr lang="en-US" smtClean="0"/>
-              <a:t>7/19/2021</a:t>
+              <a:t>7/20/2021</a:t>
             </a:fld>
             <a:endParaRPr lang="en-US"/>
           </a:p>
@@ -4063,7 +4068,7 @@
           <a:p>
             <a:fld id="{81B8F32D-D8B6-4B9E-9CBF-DCAC30B7B93D}" type="datetimeFigureOut">
               <a:rPr lang="en-US" smtClean="0"/>
-              <a:t>7/19/2021</a:t>
+              <a:t>7/20/2021</a:t>
             </a:fld>
             <a:endParaRPr lang="en-US"/>
           </a:p>
@@ -4158,7 +4163,7 @@
           <a:p>
             <a:fld id="{81B8F32D-D8B6-4B9E-9CBF-DCAC30B7B93D}" type="datetimeFigureOut">
               <a:rPr lang="en-US" smtClean="0"/>
-              <a:t>7/19/2021</a:t>
+              <a:t>7/20/2021</a:t>
             </a:fld>
             <a:endParaRPr lang="en-US"/>
           </a:p>
@@ -4441,7 +4446,7 @@
           <a:p>
             <a:fld id="{81B8F32D-D8B6-4B9E-9CBF-DCAC30B7B93D}" type="datetimeFigureOut">
               <a:rPr lang="en-US" smtClean="0"/>
-              <a:t>7/19/2021</a:t>
+              <a:t>7/20/2021</a:t>
             </a:fld>
             <a:endParaRPr lang="en-US"/>
           </a:p>
@@ -4732,7 +4737,7 @@
           <a:p>
             <a:fld id="{81B8F32D-D8B6-4B9E-9CBF-DCAC30B7B93D}" type="datetimeFigureOut">
               <a:rPr lang="en-US" smtClean="0"/>
-              <a:t>7/19/2021</a:t>
+              <a:t>7/20/2021</a:t>
             </a:fld>
             <a:endParaRPr lang="en-US"/>
           </a:p>
@@ -4964,7 +4969,7 @@
             <a:fld id="{81B8F32D-D8B6-4B9E-9CBF-DCAC30B7B93D}" type="datetimeFigureOut">
               <a:rPr lang="en-US" smtClean="0"/>
               <a:pPr/>
-              <a:t>7/19/2021</a:t>
+              <a:t>7/20/2021</a:t>
             </a:fld>
             <a:endParaRPr lang="en-US" dirty="0"/>
           </a:p>
@@ -6314,12 +6319,20 @@
             <p:ph type="title"/>
           </p:nvPr>
         </p:nvSpPr>
-        <p:spPr/>
+        <p:spPr>
+          <a:xfrm>
+            <a:off x="106532" y="106530"/>
+            <a:ext cx="8899015" cy="721311"/>
+          </a:xfrm>
+        </p:spPr>
         <p:txBody>
           <a:bodyPr/>
           <a:lstStyle/>
           <a:p>
-            <a:endParaRPr lang="en-US"/>
+            <a:r>
+              <a:rPr lang="en-US" dirty="0"/>
+              <a:t>7/20/2021 Results</a:t>
+            </a:r>
           </a:p>
         </p:txBody>
       </p:sp>

--- a/Reinforcement Learning/experiments.pptx
+++ b/Reinforcement Learning/experiments.pptx
@@ -8,6 +8,8 @@
     <p:sldId id="256" r:id="rId2"/>
     <p:sldId id="257" r:id="rId3"/>
     <p:sldId id="258" r:id="rId4"/>
+    <p:sldId id="259" r:id="rId5"/>
+    <p:sldId id="260" r:id="rId6"/>
   </p:sldIdLst>
   <p:sldSz cx="12192000" cy="6858000"/>
   <p:notesSz cx="6858000" cy="9144000"/>
@@ -6357,14 +6359,1122 @@
           <a:bodyPr/>
           <a:lstStyle/>
           <a:p>
-            <a:endParaRPr lang="en-US"/>
-          </a:p>
-        </p:txBody>
-      </p:sp>
+            <a:endParaRPr lang="en-US" dirty="0"/>
+          </a:p>
+        </p:txBody>
+      </p:sp>
+      <p:pic>
+        <p:nvPicPr>
+          <p:cNvPr id="5" name="Picture 4">
+            <a:extLst>
+              <a:ext uri="{FF2B5EF4-FFF2-40B4-BE49-F238E27FC236}">
+                <a16:creationId xmlns:a16="http://schemas.microsoft.com/office/drawing/2014/main" id="{25AA2CEC-EE20-441C-A28B-46497EABBBAE}"/>
+              </a:ext>
+            </a:extLst>
+          </p:cNvPr>
+          <p:cNvPicPr>
+            <a:picLocks noChangeAspect="1"/>
+          </p:cNvPicPr>
+          <p:nvPr/>
+        </p:nvPicPr>
+        <p:blipFill>
+          <a:blip r:embed="rId2"/>
+          <a:stretch>
+            <a:fillRect/>
+          </a:stretch>
+        </p:blipFill>
+        <p:spPr>
+          <a:xfrm>
+            <a:off x="0" y="827841"/>
+            <a:ext cx="3886502" cy="2484156"/>
+          </a:xfrm>
+          <a:prstGeom prst="rect">
+            <a:avLst/>
+          </a:prstGeom>
+        </p:spPr>
+      </p:pic>
+      <p:pic>
+        <p:nvPicPr>
+          <p:cNvPr id="9" name="Picture 8">
+            <a:extLst>
+              <a:ext uri="{FF2B5EF4-FFF2-40B4-BE49-F238E27FC236}">
+                <a16:creationId xmlns:a16="http://schemas.microsoft.com/office/drawing/2014/main" id="{E3842405-3CF2-4A40-B581-A13DA61FF47B}"/>
+              </a:ext>
+            </a:extLst>
+          </p:cNvPr>
+          <p:cNvPicPr>
+            <a:picLocks noChangeAspect="1"/>
+          </p:cNvPicPr>
+          <p:nvPr/>
+        </p:nvPicPr>
+        <p:blipFill>
+          <a:blip r:embed="rId3"/>
+          <a:stretch>
+            <a:fillRect/>
+          </a:stretch>
+        </p:blipFill>
+        <p:spPr>
+          <a:xfrm>
+            <a:off x="773371" y="1549152"/>
+            <a:ext cx="2695575" cy="619125"/>
+          </a:xfrm>
+          <a:prstGeom prst="rect">
+            <a:avLst/>
+          </a:prstGeom>
+        </p:spPr>
+      </p:pic>
+      <p:pic>
+        <p:nvPicPr>
+          <p:cNvPr id="11" name="Picture 10">
+            <a:extLst>
+              <a:ext uri="{FF2B5EF4-FFF2-40B4-BE49-F238E27FC236}">
+                <a16:creationId xmlns:a16="http://schemas.microsoft.com/office/drawing/2014/main" id="{988CE155-50B6-4411-97BF-1876992A8571}"/>
+              </a:ext>
+            </a:extLst>
+          </p:cNvPr>
+          <p:cNvPicPr>
+            <a:picLocks noChangeAspect="1"/>
+          </p:cNvPicPr>
+          <p:nvPr/>
+        </p:nvPicPr>
+        <p:blipFill>
+          <a:blip r:embed="rId4"/>
+          <a:stretch>
+            <a:fillRect/>
+          </a:stretch>
+        </p:blipFill>
+        <p:spPr>
+          <a:xfrm>
+            <a:off x="4078563" y="816954"/>
+            <a:ext cx="3886502" cy="2484155"/>
+          </a:xfrm>
+          <a:prstGeom prst="rect">
+            <a:avLst/>
+          </a:prstGeom>
+        </p:spPr>
+      </p:pic>
+      <p:pic>
+        <p:nvPicPr>
+          <p:cNvPr id="13" name="Picture 12">
+            <a:extLst>
+              <a:ext uri="{FF2B5EF4-FFF2-40B4-BE49-F238E27FC236}">
+                <a16:creationId xmlns:a16="http://schemas.microsoft.com/office/drawing/2014/main" id="{96909F02-A8DE-491E-AFFC-4B9DE853D68D}"/>
+              </a:ext>
+            </a:extLst>
+          </p:cNvPr>
+          <p:cNvPicPr>
+            <a:picLocks noChangeAspect="1"/>
+          </p:cNvPicPr>
+          <p:nvPr/>
+        </p:nvPicPr>
+        <p:blipFill>
+          <a:blip r:embed="rId5"/>
+          <a:stretch>
+            <a:fillRect/>
+          </a:stretch>
+        </p:blipFill>
+        <p:spPr>
+          <a:xfrm>
+            <a:off x="4757737" y="1605711"/>
+            <a:ext cx="2676525" cy="609600"/>
+          </a:xfrm>
+          <a:prstGeom prst="rect">
+            <a:avLst/>
+          </a:prstGeom>
+        </p:spPr>
+      </p:pic>
+      <p:pic>
+        <p:nvPicPr>
+          <p:cNvPr id="15" name="Picture 14">
+            <a:extLst>
+              <a:ext uri="{FF2B5EF4-FFF2-40B4-BE49-F238E27FC236}">
+                <a16:creationId xmlns:a16="http://schemas.microsoft.com/office/drawing/2014/main" id="{4068A74C-42D5-4982-853C-A1381E2E1EA1}"/>
+              </a:ext>
+            </a:extLst>
+          </p:cNvPr>
+          <p:cNvPicPr>
+            <a:picLocks noChangeAspect="1"/>
+          </p:cNvPicPr>
+          <p:nvPr/>
+        </p:nvPicPr>
+        <p:blipFill>
+          <a:blip r:embed="rId6"/>
+          <a:stretch>
+            <a:fillRect/>
+          </a:stretch>
+        </p:blipFill>
+        <p:spPr>
+          <a:xfrm>
+            <a:off x="0" y="3602264"/>
+            <a:ext cx="3886502" cy="2484155"/>
+          </a:xfrm>
+          <a:prstGeom prst="rect">
+            <a:avLst/>
+          </a:prstGeom>
+        </p:spPr>
+      </p:pic>
+      <p:pic>
+        <p:nvPicPr>
+          <p:cNvPr id="17" name="Picture 16">
+            <a:extLst>
+              <a:ext uri="{FF2B5EF4-FFF2-40B4-BE49-F238E27FC236}">
+                <a16:creationId xmlns:a16="http://schemas.microsoft.com/office/drawing/2014/main" id="{E6346D11-649F-4C7E-88E9-FC9A7F7819C1}"/>
+              </a:ext>
+            </a:extLst>
+          </p:cNvPr>
+          <p:cNvPicPr>
+            <a:picLocks noChangeAspect="1"/>
+          </p:cNvPicPr>
+          <p:nvPr/>
+        </p:nvPicPr>
+        <p:blipFill>
+          <a:blip r:embed="rId7"/>
+          <a:stretch>
+            <a:fillRect/>
+          </a:stretch>
+        </p:blipFill>
+        <p:spPr>
+          <a:xfrm>
+            <a:off x="811471" y="4430291"/>
+            <a:ext cx="2657475" cy="628650"/>
+          </a:xfrm>
+          <a:prstGeom prst="rect">
+            <a:avLst/>
+          </a:prstGeom>
+        </p:spPr>
+      </p:pic>
+      <p:pic>
+        <p:nvPicPr>
+          <p:cNvPr id="19" name="Picture 18">
+            <a:extLst>
+              <a:ext uri="{FF2B5EF4-FFF2-40B4-BE49-F238E27FC236}">
+                <a16:creationId xmlns:a16="http://schemas.microsoft.com/office/drawing/2014/main" id="{40C9A21B-78E2-459F-BC6C-8853A0A0FB88}"/>
+              </a:ext>
+            </a:extLst>
+          </p:cNvPr>
+          <p:cNvPicPr>
+            <a:picLocks noChangeAspect="1"/>
+          </p:cNvPicPr>
+          <p:nvPr/>
+        </p:nvPicPr>
+        <p:blipFill>
+          <a:blip r:embed="rId8"/>
+          <a:stretch>
+            <a:fillRect/>
+          </a:stretch>
+        </p:blipFill>
+        <p:spPr>
+          <a:xfrm>
+            <a:off x="4078563" y="3601884"/>
+            <a:ext cx="3886502" cy="2484155"/>
+          </a:xfrm>
+          <a:prstGeom prst="rect">
+            <a:avLst/>
+          </a:prstGeom>
+        </p:spPr>
+      </p:pic>
+      <p:pic>
+        <p:nvPicPr>
+          <p:cNvPr id="21" name="Picture 20">
+            <a:extLst>
+              <a:ext uri="{FF2B5EF4-FFF2-40B4-BE49-F238E27FC236}">
+                <a16:creationId xmlns:a16="http://schemas.microsoft.com/office/drawing/2014/main" id="{6B722E2F-AD30-456D-8F7D-C319804CA0A9}"/>
+              </a:ext>
+            </a:extLst>
+          </p:cNvPr>
+          <p:cNvPicPr>
+            <a:picLocks noChangeAspect="1"/>
+          </p:cNvPicPr>
+          <p:nvPr/>
+        </p:nvPicPr>
+        <p:blipFill>
+          <a:blip r:embed="rId9"/>
+          <a:stretch>
+            <a:fillRect/>
+          </a:stretch>
+        </p:blipFill>
+        <p:spPr>
+          <a:xfrm>
+            <a:off x="4832965" y="4430291"/>
+            <a:ext cx="2647950" cy="600075"/>
+          </a:xfrm>
+          <a:prstGeom prst="rect">
+            <a:avLst/>
+          </a:prstGeom>
+        </p:spPr>
+      </p:pic>
+      <p:pic>
+        <p:nvPicPr>
+          <p:cNvPr id="23" name="Picture 22">
+            <a:extLst>
+              <a:ext uri="{FF2B5EF4-FFF2-40B4-BE49-F238E27FC236}">
+                <a16:creationId xmlns:a16="http://schemas.microsoft.com/office/drawing/2014/main" id="{7140D404-7DFB-41C8-8908-70DB254E1D4F}"/>
+              </a:ext>
+            </a:extLst>
+          </p:cNvPr>
+          <p:cNvPicPr>
+            <a:picLocks noChangeAspect="1"/>
+          </p:cNvPicPr>
+          <p:nvPr/>
+        </p:nvPicPr>
+        <p:blipFill>
+          <a:blip r:embed="rId10"/>
+          <a:stretch>
+            <a:fillRect/>
+          </a:stretch>
+        </p:blipFill>
+        <p:spPr>
+          <a:xfrm>
+            <a:off x="8185586" y="827238"/>
+            <a:ext cx="3886502" cy="2446326"/>
+          </a:xfrm>
+          <a:prstGeom prst="rect">
+            <a:avLst/>
+          </a:prstGeom>
+        </p:spPr>
+      </p:pic>
+      <p:pic>
+        <p:nvPicPr>
+          <p:cNvPr id="25" name="Picture 24">
+            <a:extLst>
+              <a:ext uri="{FF2B5EF4-FFF2-40B4-BE49-F238E27FC236}">
+                <a16:creationId xmlns:a16="http://schemas.microsoft.com/office/drawing/2014/main" id="{12277C12-A909-41D2-A9F5-ECB5470A0249}"/>
+              </a:ext>
+            </a:extLst>
+          </p:cNvPr>
+          <p:cNvPicPr>
+            <a:picLocks noChangeAspect="1"/>
+          </p:cNvPicPr>
+          <p:nvPr/>
+        </p:nvPicPr>
+        <p:blipFill>
+          <a:blip r:embed="rId11"/>
+          <a:stretch>
+            <a:fillRect/>
+          </a:stretch>
+        </p:blipFill>
+        <p:spPr>
+          <a:xfrm>
+            <a:off x="8920070" y="1387113"/>
+            <a:ext cx="2714625" cy="638175"/>
+          </a:xfrm>
+          <a:prstGeom prst="rect">
+            <a:avLst/>
+          </a:prstGeom>
+        </p:spPr>
+      </p:pic>
+      <p:pic>
+        <p:nvPicPr>
+          <p:cNvPr id="27" name="Picture 26">
+            <a:extLst>
+              <a:ext uri="{FF2B5EF4-FFF2-40B4-BE49-F238E27FC236}">
+                <a16:creationId xmlns:a16="http://schemas.microsoft.com/office/drawing/2014/main" id="{2382B872-1AB0-4484-8D90-7D200517B2A2}"/>
+              </a:ext>
+            </a:extLst>
+          </p:cNvPr>
+          <p:cNvPicPr>
+            <a:picLocks noChangeAspect="1"/>
+          </p:cNvPicPr>
+          <p:nvPr/>
+        </p:nvPicPr>
+        <p:blipFill>
+          <a:blip r:embed="rId12"/>
+          <a:stretch>
+            <a:fillRect/>
+          </a:stretch>
+        </p:blipFill>
+        <p:spPr>
+          <a:xfrm>
+            <a:off x="8185586" y="3617105"/>
+            <a:ext cx="3886502" cy="2446326"/>
+          </a:xfrm>
+          <a:prstGeom prst="rect">
+            <a:avLst/>
+          </a:prstGeom>
+        </p:spPr>
+      </p:pic>
+      <p:pic>
+        <p:nvPicPr>
+          <p:cNvPr id="29" name="Picture 28">
+            <a:extLst>
+              <a:ext uri="{FF2B5EF4-FFF2-40B4-BE49-F238E27FC236}">
+                <a16:creationId xmlns:a16="http://schemas.microsoft.com/office/drawing/2014/main" id="{49F53D85-AD80-4377-BEB8-1301536038FA}"/>
+              </a:ext>
+            </a:extLst>
+          </p:cNvPr>
+          <p:cNvPicPr>
+            <a:picLocks noChangeAspect="1"/>
+          </p:cNvPicPr>
+          <p:nvPr/>
+        </p:nvPicPr>
+        <p:blipFill>
+          <a:blip r:embed="rId13"/>
+          <a:stretch>
+            <a:fillRect/>
+          </a:stretch>
+        </p:blipFill>
+        <p:spPr>
+          <a:xfrm>
+            <a:off x="8967695" y="4358196"/>
+            <a:ext cx="2667000" cy="609600"/>
+          </a:xfrm>
+          <a:prstGeom prst="rect">
+            <a:avLst/>
+          </a:prstGeom>
+        </p:spPr>
+      </p:pic>
     </p:spTree>
     <p:extLst>
       <p:ext uri="{BB962C8B-B14F-4D97-AF65-F5344CB8AC3E}">
         <p14:creationId xmlns:p14="http://schemas.microsoft.com/office/powerpoint/2010/main" val="479891865"/>
+      </p:ext>
+    </p:extLst>
+  </p:cSld>
+  <p:clrMapOvr>
+    <a:masterClrMapping/>
+  </p:clrMapOvr>
+</p:sld>
+</file>
+
+<file path=ppt/slides/slide4.xml><?xml version="1.0" encoding="utf-8"?>
+<p:sld xmlns:a="http://schemas.openxmlformats.org/drawingml/2006/main" xmlns:r="http://schemas.openxmlformats.org/officeDocument/2006/relationships" xmlns:p="http://schemas.openxmlformats.org/presentationml/2006/main">
+  <p:cSld>
+    <p:spTree>
+      <p:nvGrpSpPr>
+        <p:cNvPr id="1" name=""/>
+        <p:cNvGrpSpPr/>
+        <p:nvPr/>
+      </p:nvGrpSpPr>
+      <p:grpSpPr>
+        <a:xfrm>
+          <a:off x="0" y="0"/>
+          <a:ext cx="0" cy="0"/>
+          <a:chOff x="0" y="0"/>
+          <a:chExt cx="0" cy="0"/>
+        </a:xfrm>
+      </p:grpSpPr>
+      <p:sp>
+        <p:nvSpPr>
+          <p:cNvPr id="2" name="Title 1">
+            <a:extLst>
+              <a:ext uri="{FF2B5EF4-FFF2-40B4-BE49-F238E27FC236}">
+                <a16:creationId xmlns:a16="http://schemas.microsoft.com/office/drawing/2014/main" id="{193BFB1A-5E52-4BF6-BA62-9E53B45A13E1}"/>
+              </a:ext>
+            </a:extLst>
+          </p:cNvPr>
+          <p:cNvSpPr>
+            <a:spLocks noGrp="1"/>
+          </p:cNvSpPr>
+          <p:nvPr>
+            <p:ph type="title"/>
+          </p:nvPr>
+        </p:nvSpPr>
+        <p:spPr>
+          <a:xfrm>
+            <a:off x="71022" y="115410"/>
+            <a:ext cx="8055636" cy="739066"/>
+          </a:xfrm>
+        </p:spPr>
+        <p:txBody>
+          <a:bodyPr/>
+          <a:lstStyle/>
+          <a:p>
+            <a:r>
+              <a:rPr lang="en-US" dirty="0"/>
+              <a:t>7/20/2021 Results  </a:t>
+            </a:r>
+            <a:r>
+              <a:rPr lang="en-US" dirty="0" err="1"/>
+              <a:t>cont</a:t>
+            </a:r>
+            <a:r>
+              <a:rPr lang="en-US" dirty="0"/>
+              <a:t>,</a:t>
+            </a:r>
+          </a:p>
+        </p:txBody>
+      </p:sp>
+      <p:sp>
+        <p:nvSpPr>
+          <p:cNvPr id="3" name="Content Placeholder 2">
+            <a:extLst>
+              <a:ext uri="{FF2B5EF4-FFF2-40B4-BE49-F238E27FC236}">
+                <a16:creationId xmlns:a16="http://schemas.microsoft.com/office/drawing/2014/main" id="{D0B860C5-A62B-4D3B-AA00-A7E61C3C1C15}"/>
+              </a:ext>
+            </a:extLst>
+          </p:cNvPr>
+          <p:cNvSpPr>
+            <a:spLocks noGrp="1"/>
+          </p:cNvSpPr>
+          <p:nvPr>
+            <p:ph idx="1"/>
+          </p:nvPr>
+        </p:nvSpPr>
+        <p:spPr>
+          <a:xfrm>
+            <a:off x="7146524" y="1553594"/>
+            <a:ext cx="5161515" cy="1583184"/>
+          </a:xfrm>
+        </p:spPr>
+        <p:txBody>
+          <a:bodyPr/>
+          <a:lstStyle/>
+          <a:p>
+            <a:r>
+              <a:rPr lang="en-US" dirty="0"/>
+              <a:t>Weights changed to quicken the learning process for less turns</a:t>
+            </a:r>
+          </a:p>
+        </p:txBody>
+      </p:sp>
+      <p:pic>
+        <p:nvPicPr>
+          <p:cNvPr id="5" name="Picture 4">
+            <a:extLst>
+              <a:ext uri="{FF2B5EF4-FFF2-40B4-BE49-F238E27FC236}">
+                <a16:creationId xmlns:a16="http://schemas.microsoft.com/office/drawing/2014/main" id="{5C06FD9D-D8CF-438F-B79E-5B820D493FDC}"/>
+              </a:ext>
+            </a:extLst>
+          </p:cNvPr>
+          <p:cNvPicPr>
+            <a:picLocks noChangeAspect="1"/>
+          </p:cNvPicPr>
+          <p:nvPr/>
+        </p:nvPicPr>
+        <p:blipFill>
+          <a:blip r:embed="rId2"/>
+          <a:stretch>
+            <a:fillRect/>
+          </a:stretch>
+        </p:blipFill>
+        <p:spPr>
+          <a:xfrm>
+            <a:off x="49763" y="854476"/>
+            <a:ext cx="3422073" cy="2187304"/>
+          </a:xfrm>
+          <a:prstGeom prst="rect">
+            <a:avLst/>
+          </a:prstGeom>
+        </p:spPr>
+      </p:pic>
+      <p:pic>
+        <p:nvPicPr>
+          <p:cNvPr id="7" name="Picture 6">
+            <a:extLst>
+              <a:ext uri="{FF2B5EF4-FFF2-40B4-BE49-F238E27FC236}">
+                <a16:creationId xmlns:a16="http://schemas.microsoft.com/office/drawing/2014/main" id="{FD538802-ABB1-4F33-8F0B-3C698F9BD854}"/>
+              </a:ext>
+            </a:extLst>
+          </p:cNvPr>
+          <p:cNvPicPr>
+            <a:picLocks noChangeAspect="1"/>
+          </p:cNvPicPr>
+          <p:nvPr/>
+        </p:nvPicPr>
+        <p:blipFill>
+          <a:blip r:embed="rId3"/>
+          <a:stretch>
+            <a:fillRect/>
+          </a:stretch>
+        </p:blipFill>
+        <p:spPr>
+          <a:xfrm>
+            <a:off x="606005" y="1553595"/>
+            <a:ext cx="2379792" cy="541252"/>
+          </a:xfrm>
+          <a:prstGeom prst="rect">
+            <a:avLst/>
+          </a:prstGeom>
+        </p:spPr>
+      </p:pic>
+      <p:pic>
+        <p:nvPicPr>
+          <p:cNvPr id="9" name="Picture 8">
+            <a:extLst>
+              <a:ext uri="{FF2B5EF4-FFF2-40B4-BE49-F238E27FC236}">
+                <a16:creationId xmlns:a16="http://schemas.microsoft.com/office/drawing/2014/main" id="{B514A5FC-F231-4222-B084-2984C2FED0DF}"/>
+              </a:ext>
+            </a:extLst>
+          </p:cNvPr>
+          <p:cNvPicPr>
+            <a:picLocks noChangeAspect="1"/>
+          </p:cNvPicPr>
+          <p:nvPr/>
+        </p:nvPicPr>
+        <p:blipFill>
+          <a:blip r:embed="rId4"/>
+          <a:stretch>
+            <a:fillRect/>
+          </a:stretch>
+        </p:blipFill>
+        <p:spPr>
+          <a:xfrm>
+            <a:off x="3509638" y="854476"/>
+            <a:ext cx="3422073" cy="2187304"/>
+          </a:xfrm>
+          <a:prstGeom prst="rect">
+            <a:avLst/>
+          </a:prstGeom>
+        </p:spPr>
+      </p:pic>
+      <p:pic>
+        <p:nvPicPr>
+          <p:cNvPr id="11" name="Picture 10">
+            <a:extLst>
+              <a:ext uri="{FF2B5EF4-FFF2-40B4-BE49-F238E27FC236}">
+                <a16:creationId xmlns:a16="http://schemas.microsoft.com/office/drawing/2014/main" id="{1F32E2E2-ACFA-46CE-ACB9-6A6B03E1C721}"/>
+              </a:ext>
+            </a:extLst>
+          </p:cNvPr>
+          <p:cNvPicPr>
+            <a:picLocks noChangeAspect="1"/>
+          </p:cNvPicPr>
+          <p:nvPr/>
+        </p:nvPicPr>
+        <p:blipFill>
+          <a:blip r:embed="rId5"/>
+          <a:stretch>
+            <a:fillRect/>
+          </a:stretch>
+        </p:blipFill>
+        <p:spPr>
+          <a:xfrm>
+            <a:off x="4028078" y="1494773"/>
+            <a:ext cx="2372722" cy="533862"/>
+          </a:xfrm>
+          <a:prstGeom prst="rect">
+            <a:avLst/>
+          </a:prstGeom>
+        </p:spPr>
+      </p:pic>
+      <p:pic>
+        <p:nvPicPr>
+          <p:cNvPr id="13" name="Picture 12">
+            <a:extLst>
+              <a:ext uri="{FF2B5EF4-FFF2-40B4-BE49-F238E27FC236}">
+                <a16:creationId xmlns:a16="http://schemas.microsoft.com/office/drawing/2014/main" id="{2B6803D0-8D41-4069-A6EB-E2F86F818886}"/>
+              </a:ext>
+            </a:extLst>
+          </p:cNvPr>
+          <p:cNvPicPr>
+            <a:picLocks noChangeAspect="1"/>
+          </p:cNvPicPr>
+          <p:nvPr/>
+        </p:nvPicPr>
+        <p:blipFill>
+          <a:blip r:embed="rId6"/>
+          <a:stretch>
+            <a:fillRect/>
+          </a:stretch>
+        </p:blipFill>
+        <p:spPr>
+          <a:xfrm>
+            <a:off x="49763" y="3136778"/>
+            <a:ext cx="3391288" cy="2167627"/>
+          </a:xfrm>
+          <a:prstGeom prst="rect">
+            <a:avLst/>
+          </a:prstGeom>
+        </p:spPr>
+      </p:pic>
+      <p:pic>
+        <p:nvPicPr>
+          <p:cNvPr id="15" name="Picture 14">
+            <a:extLst>
+              <a:ext uri="{FF2B5EF4-FFF2-40B4-BE49-F238E27FC236}">
+                <a16:creationId xmlns:a16="http://schemas.microsoft.com/office/drawing/2014/main" id="{42DAA1BB-07C7-4450-BF2E-9539E0D633AD}"/>
+              </a:ext>
+            </a:extLst>
+          </p:cNvPr>
+          <p:cNvPicPr>
+            <a:picLocks noChangeAspect="1"/>
+          </p:cNvPicPr>
+          <p:nvPr/>
+        </p:nvPicPr>
+        <p:blipFill>
+          <a:blip r:embed="rId7"/>
+          <a:stretch>
+            <a:fillRect/>
+          </a:stretch>
+        </p:blipFill>
+        <p:spPr>
+          <a:xfrm>
+            <a:off x="522875" y="3856749"/>
+            <a:ext cx="2475848" cy="553115"/>
+          </a:xfrm>
+          <a:prstGeom prst="rect">
+            <a:avLst/>
+          </a:prstGeom>
+        </p:spPr>
+      </p:pic>
+      <p:pic>
+        <p:nvPicPr>
+          <p:cNvPr id="17" name="Picture 16">
+            <a:extLst>
+              <a:ext uri="{FF2B5EF4-FFF2-40B4-BE49-F238E27FC236}">
+                <a16:creationId xmlns:a16="http://schemas.microsoft.com/office/drawing/2014/main" id="{5BF97EBA-265D-4526-B4A0-3CD7D4BD16CE}"/>
+              </a:ext>
+            </a:extLst>
+          </p:cNvPr>
+          <p:cNvPicPr>
+            <a:picLocks noChangeAspect="1"/>
+          </p:cNvPicPr>
+          <p:nvPr/>
+        </p:nvPicPr>
+        <p:blipFill>
+          <a:blip r:embed="rId8"/>
+          <a:stretch>
+            <a:fillRect/>
+          </a:stretch>
+        </p:blipFill>
+        <p:spPr>
+          <a:xfrm>
+            <a:off x="3639333" y="3189246"/>
+            <a:ext cx="3292378" cy="2104406"/>
+          </a:xfrm>
+          <a:prstGeom prst="rect">
+            <a:avLst/>
+          </a:prstGeom>
+        </p:spPr>
+      </p:pic>
+      <p:pic>
+        <p:nvPicPr>
+          <p:cNvPr id="19" name="Picture 18">
+            <a:extLst>
+              <a:ext uri="{FF2B5EF4-FFF2-40B4-BE49-F238E27FC236}">
+                <a16:creationId xmlns:a16="http://schemas.microsoft.com/office/drawing/2014/main" id="{9466AF65-3063-4591-8B95-C22919CE73AE}"/>
+              </a:ext>
+            </a:extLst>
+          </p:cNvPr>
+          <p:cNvPicPr>
+            <a:picLocks noChangeAspect="1"/>
+          </p:cNvPicPr>
+          <p:nvPr/>
+        </p:nvPicPr>
+        <p:blipFill>
+          <a:blip r:embed="rId9"/>
+          <a:stretch>
+            <a:fillRect/>
+          </a:stretch>
+        </p:blipFill>
+        <p:spPr>
+          <a:xfrm>
+            <a:off x="4186588" y="3925753"/>
+            <a:ext cx="2214212" cy="484111"/>
+          </a:xfrm>
+          <a:prstGeom prst="rect">
+            <a:avLst/>
+          </a:prstGeom>
+        </p:spPr>
+      </p:pic>
+    </p:spTree>
+    <p:extLst>
+      <p:ext uri="{BB962C8B-B14F-4D97-AF65-F5344CB8AC3E}">
+        <p14:creationId xmlns:p14="http://schemas.microsoft.com/office/powerpoint/2010/main" val="4119243134"/>
+      </p:ext>
+    </p:extLst>
+  </p:cSld>
+  <p:clrMapOvr>
+    <a:masterClrMapping/>
+  </p:clrMapOvr>
+</p:sld>
+</file>
+
+<file path=ppt/slides/slide5.xml><?xml version="1.0" encoding="utf-8"?>
+<p:sld xmlns:a="http://schemas.openxmlformats.org/drawingml/2006/main" xmlns:r="http://schemas.openxmlformats.org/officeDocument/2006/relationships" xmlns:p="http://schemas.openxmlformats.org/presentationml/2006/main">
+  <p:cSld>
+    <p:spTree>
+      <p:nvGrpSpPr>
+        <p:cNvPr id="1" name=""/>
+        <p:cNvGrpSpPr/>
+        <p:nvPr/>
+      </p:nvGrpSpPr>
+      <p:grpSpPr>
+        <a:xfrm>
+          <a:off x="0" y="0"/>
+          <a:ext cx="0" cy="0"/>
+          <a:chOff x="0" y="0"/>
+          <a:chExt cx="0" cy="0"/>
+        </a:xfrm>
+      </p:grpSpPr>
+      <p:sp>
+        <p:nvSpPr>
+          <p:cNvPr id="2" name="Title 1">
+            <a:extLst>
+              <a:ext uri="{FF2B5EF4-FFF2-40B4-BE49-F238E27FC236}">
+                <a16:creationId xmlns:a16="http://schemas.microsoft.com/office/drawing/2014/main" id="{819A8100-D89F-42B4-BBD6-84ED7808842C}"/>
+              </a:ext>
+            </a:extLst>
+          </p:cNvPr>
+          <p:cNvSpPr>
+            <a:spLocks noGrp="1"/>
+          </p:cNvSpPr>
+          <p:nvPr>
+            <p:ph type="title"/>
+          </p:nvPr>
+        </p:nvSpPr>
+        <p:spPr>
+          <a:xfrm>
+            <a:off x="150920" y="115410"/>
+            <a:ext cx="8774728" cy="730188"/>
+          </a:xfrm>
+        </p:spPr>
+        <p:txBody>
+          <a:bodyPr/>
+          <a:lstStyle/>
+          <a:p>
+            <a:r>
+              <a:rPr lang="en-US" dirty="0"/>
+              <a:t>7/20/2021 Results  </a:t>
+            </a:r>
+            <a:r>
+              <a:rPr lang="en-US" dirty="0" err="1"/>
+              <a:t>cont</a:t>
+            </a:r>
+            <a:r>
+              <a:rPr lang="en-US" dirty="0"/>
+              <a:t>,</a:t>
+            </a:r>
+          </a:p>
+        </p:txBody>
+      </p:sp>
+      <p:sp>
+        <p:nvSpPr>
+          <p:cNvPr id="3" name="Content Placeholder 2">
+            <a:extLst>
+              <a:ext uri="{FF2B5EF4-FFF2-40B4-BE49-F238E27FC236}">
+                <a16:creationId xmlns:a16="http://schemas.microsoft.com/office/drawing/2014/main" id="{B5530220-CE6C-47DA-AF79-D95C3A9A7CE3}"/>
+              </a:ext>
+            </a:extLst>
+          </p:cNvPr>
+          <p:cNvSpPr>
+            <a:spLocks noGrp="1"/>
+          </p:cNvSpPr>
+          <p:nvPr>
+            <p:ph idx="1"/>
+          </p:nvPr>
+        </p:nvSpPr>
+        <p:spPr>
+          <a:xfrm>
+            <a:off x="6974890" y="1251751"/>
+            <a:ext cx="4951410" cy="1405631"/>
+          </a:xfrm>
+        </p:spPr>
+        <p:txBody>
+          <a:bodyPr/>
+          <a:lstStyle/>
+          <a:p>
+            <a:r>
+              <a:rPr lang="en-US" dirty="0"/>
+              <a:t>Changed the motive for taking from very high to lower</a:t>
+            </a:r>
+          </a:p>
+        </p:txBody>
+      </p:sp>
+      <p:pic>
+        <p:nvPicPr>
+          <p:cNvPr id="5" name="Picture 4">
+            <a:extLst>
+              <a:ext uri="{FF2B5EF4-FFF2-40B4-BE49-F238E27FC236}">
+                <a16:creationId xmlns:a16="http://schemas.microsoft.com/office/drawing/2014/main" id="{62B3C27A-0700-418D-A5E7-EA56B78860AC}"/>
+              </a:ext>
+            </a:extLst>
+          </p:cNvPr>
+          <p:cNvPicPr>
+            <a:picLocks noChangeAspect="1"/>
+          </p:cNvPicPr>
+          <p:nvPr/>
+        </p:nvPicPr>
+        <p:blipFill>
+          <a:blip r:embed="rId2"/>
+          <a:stretch>
+            <a:fillRect/>
+          </a:stretch>
+        </p:blipFill>
+        <p:spPr>
+          <a:xfrm>
+            <a:off x="150919" y="845598"/>
+            <a:ext cx="2406969" cy="1515047"/>
+          </a:xfrm>
+          <a:prstGeom prst="rect">
+            <a:avLst/>
+          </a:prstGeom>
+        </p:spPr>
+      </p:pic>
+      <p:pic>
+        <p:nvPicPr>
+          <p:cNvPr id="7" name="Picture 6">
+            <a:extLst>
+              <a:ext uri="{FF2B5EF4-FFF2-40B4-BE49-F238E27FC236}">
+                <a16:creationId xmlns:a16="http://schemas.microsoft.com/office/drawing/2014/main" id="{BFCB5AED-4AB4-4CC8-B73B-C166559BCCD3}"/>
+              </a:ext>
+            </a:extLst>
+          </p:cNvPr>
+          <p:cNvPicPr>
+            <a:picLocks noChangeAspect="1"/>
+          </p:cNvPicPr>
+          <p:nvPr/>
+        </p:nvPicPr>
+        <p:blipFill>
+          <a:blip r:embed="rId3"/>
+          <a:stretch>
+            <a:fillRect/>
+          </a:stretch>
+        </p:blipFill>
+        <p:spPr>
+          <a:xfrm>
+            <a:off x="150919" y="2402633"/>
+            <a:ext cx="2053804" cy="486236"/>
+          </a:xfrm>
+          <a:prstGeom prst="rect">
+            <a:avLst/>
+          </a:prstGeom>
+        </p:spPr>
+      </p:pic>
+      <p:pic>
+        <p:nvPicPr>
+          <p:cNvPr id="9" name="Picture 8">
+            <a:extLst>
+              <a:ext uri="{FF2B5EF4-FFF2-40B4-BE49-F238E27FC236}">
+                <a16:creationId xmlns:a16="http://schemas.microsoft.com/office/drawing/2014/main" id="{BE71F927-767D-4BC1-B46C-A29C84785DEE}"/>
+              </a:ext>
+            </a:extLst>
+          </p:cNvPr>
+          <p:cNvPicPr>
+            <a:picLocks noChangeAspect="1"/>
+          </p:cNvPicPr>
+          <p:nvPr/>
+        </p:nvPicPr>
+        <p:blipFill>
+          <a:blip r:embed="rId4"/>
+          <a:stretch>
+            <a:fillRect/>
+          </a:stretch>
+        </p:blipFill>
+        <p:spPr>
+          <a:xfrm>
+            <a:off x="2557888" y="845598"/>
+            <a:ext cx="2406969" cy="1515047"/>
+          </a:xfrm>
+          <a:prstGeom prst="rect">
+            <a:avLst/>
+          </a:prstGeom>
+        </p:spPr>
+      </p:pic>
+      <p:pic>
+        <p:nvPicPr>
+          <p:cNvPr id="11" name="Picture 10">
+            <a:extLst>
+              <a:ext uri="{FF2B5EF4-FFF2-40B4-BE49-F238E27FC236}">
+                <a16:creationId xmlns:a16="http://schemas.microsoft.com/office/drawing/2014/main" id="{7F8A261B-BAC9-43E6-83ED-881B78E72810}"/>
+              </a:ext>
+            </a:extLst>
+          </p:cNvPr>
+          <p:cNvPicPr>
+            <a:picLocks noChangeAspect="1"/>
+          </p:cNvPicPr>
+          <p:nvPr/>
+        </p:nvPicPr>
+        <p:blipFill>
+          <a:blip r:embed="rId5"/>
+          <a:stretch>
+            <a:fillRect/>
+          </a:stretch>
+        </p:blipFill>
+        <p:spPr>
+          <a:xfrm>
+            <a:off x="2668554" y="2360646"/>
+            <a:ext cx="1943137" cy="531806"/>
+          </a:xfrm>
+          <a:prstGeom prst="rect">
+            <a:avLst/>
+          </a:prstGeom>
+        </p:spPr>
+      </p:pic>
+      <p:pic>
+        <p:nvPicPr>
+          <p:cNvPr id="13" name="Picture 12">
+            <a:extLst>
+              <a:ext uri="{FF2B5EF4-FFF2-40B4-BE49-F238E27FC236}">
+                <a16:creationId xmlns:a16="http://schemas.microsoft.com/office/drawing/2014/main" id="{173885CA-2476-451C-89A5-11409C2DF8C5}"/>
+              </a:ext>
+            </a:extLst>
+          </p:cNvPr>
+          <p:cNvPicPr>
+            <a:picLocks noChangeAspect="1"/>
+          </p:cNvPicPr>
+          <p:nvPr/>
+        </p:nvPicPr>
+        <p:blipFill>
+          <a:blip r:embed="rId6"/>
+          <a:stretch>
+            <a:fillRect/>
+          </a:stretch>
+        </p:blipFill>
+        <p:spPr>
+          <a:xfrm>
+            <a:off x="150919" y="3090834"/>
+            <a:ext cx="2406972" cy="1515048"/>
+          </a:xfrm>
+          <a:prstGeom prst="rect">
+            <a:avLst/>
+          </a:prstGeom>
+        </p:spPr>
+      </p:pic>
+      <p:pic>
+        <p:nvPicPr>
+          <p:cNvPr id="15" name="Picture 14">
+            <a:extLst>
+              <a:ext uri="{FF2B5EF4-FFF2-40B4-BE49-F238E27FC236}">
+                <a16:creationId xmlns:a16="http://schemas.microsoft.com/office/drawing/2014/main" id="{7B42379F-DD2F-4989-A4E0-A559A836EFD6}"/>
+              </a:ext>
+            </a:extLst>
+          </p:cNvPr>
+          <p:cNvPicPr>
+            <a:picLocks noChangeAspect="1"/>
+          </p:cNvPicPr>
+          <p:nvPr/>
+        </p:nvPicPr>
+        <p:blipFill>
+          <a:blip r:embed="rId7"/>
+          <a:stretch>
+            <a:fillRect/>
+          </a:stretch>
+        </p:blipFill>
+        <p:spPr>
+          <a:xfrm>
+            <a:off x="150919" y="4656102"/>
+            <a:ext cx="2053804" cy="560129"/>
+          </a:xfrm>
+          <a:prstGeom prst="rect">
+            <a:avLst/>
+          </a:prstGeom>
+        </p:spPr>
+      </p:pic>
+      <p:pic>
+        <p:nvPicPr>
+          <p:cNvPr id="17" name="Picture 16">
+            <a:extLst>
+              <a:ext uri="{FF2B5EF4-FFF2-40B4-BE49-F238E27FC236}">
+                <a16:creationId xmlns:a16="http://schemas.microsoft.com/office/drawing/2014/main" id="{08859984-3797-43D3-898E-808650032AA8}"/>
+              </a:ext>
+            </a:extLst>
+          </p:cNvPr>
+          <p:cNvPicPr>
+            <a:picLocks noChangeAspect="1"/>
+          </p:cNvPicPr>
+          <p:nvPr/>
+        </p:nvPicPr>
+        <p:blipFill>
+          <a:blip r:embed="rId8"/>
+          <a:stretch>
+            <a:fillRect/>
+          </a:stretch>
+        </p:blipFill>
+        <p:spPr>
+          <a:xfrm>
+            <a:off x="2668554" y="3090833"/>
+            <a:ext cx="2406969" cy="1515046"/>
+          </a:xfrm>
+          <a:prstGeom prst="rect">
+            <a:avLst/>
+          </a:prstGeom>
+        </p:spPr>
+      </p:pic>
+      <p:pic>
+        <p:nvPicPr>
+          <p:cNvPr id="19" name="Picture 18">
+            <a:extLst>
+              <a:ext uri="{FF2B5EF4-FFF2-40B4-BE49-F238E27FC236}">
+                <a16:creationId xmlns:a16="http://schemas.microsoft.com/office/drawing/2014/main" id="{59682E70-0CDA-4E36-A2C4-708D5374F264}"/>
+              </a:ext>
+            </a:extLst>
+          </p:cNvPr>
+          <p:cNvPicPr>
+            <a:picLocks noChangeAspect="1"/>
+          </p:cNvPicPr>
+          <p:nvPr/>
+        </p:nvPicPr>
+        <p:blipFill>
+          <a:blip r:embed="rId9"/>
+          <a:stretch>
+            <a:fillRect/>
+          </a:stretch>
+        </p:blipFill>
+        <p:spPr>
+          <a:xfrm>
+            <a:off x="2668554" y="4656103"/>
+            <a:ext cx="2296303" cy="507516"/>
+          </a:xfrm>
+          <a:prstGeom prst="rect">
+            <a:avLst/>
+          </a:prstGeom>
+        </p:spPr>
+      </p:pic>
+      <p:pic>
+        <p:nvPicPr>
+          <p:cNvPr id="21" name="Picture 20">
+            <a:extLst>
+              <a:ext uri="{FF2B5EF4-FFF2-40B4-BE49-F238E27FC236}">
+                <a16:creationId xmlns:a16="http://schemas.microsoft.com/office/drawing/2014/main" id="{1FACB576-50BC-419C-A18F-1CA46449050F}"/>
+              </a:ext>
+            </a:extLst>
+          </p:cNvPr>
+          <p:cNvPicPr>
+            <a:picLocks noChangeAspect="1"/>
+          </p:cNvPicPr>
+          <p:nvPr/>
+        </p:nvPicPr>
+        <p:blipFill>
+          <a:blip r:embed="rId10"/>
+          <a:stretch>
+            <a:fillRect/>
+          </a:stretch>
+        </p:blipFill>
+        <p:spPr>
+          <a:xfrm>
+            <a:off x="5428688" y="3090833"/>
+            <a:ext cx="2896583" cy="1823230"/>
+          </a:xfrm>
+          <a:prstGeom prst="rect">
+            <a:avLst/>
+          </a:prstGeom>
+        </p:spPr>
+      </p:pic>
+      <p:pic>
+        <p:nvPicPr>
+          <p:cNvPr id="23" name="Picture 22">
+            <a:extLst>
+              <a:ext uri="{FF2B5EF4-FFF2-40B4-BE49-F238E27FC236}">
+                <a16:creationId xmlns:a16="http://schemas.microsoft.com/office/drawing/2014/main" id="{7C77F641-6E1B-4484-B8FB-3B0F30F7552A}"/>
+              </a:ext>
+            </a:extLst>
+          </p:cNvPr>
+          <p:cNvPicPr>
+            <a:picLocks noChangeAspect="1"/>
+          </p:cNvPicPr>
+          <p:nvPr/>
+        </p:nvPicPr>
+        <p:blipFill>
+          <a:blip r:embed="rId11"/>
+          <a:stretch>
+            <a:fillRect/>
+          </a:stretch>
+        </p:blipFill>
+        <p:spPr>
+          <a:xfrm>
+            <a:off x="5428688" y="4927393"/>
+            <a:ext cx="2406969" cy="543509"/>
+          </a:xfrm>
+          <a:prstGeom prst="rect">
+            <a:avLst/>
+          </a:prstGeom>
+        </p:spPr>
+      </p:pic>
+    </p:spTree>
+    <p:extLst>
+      <p:ext uri="{BB962C8B-B14F-4D97-AF65-F5344CB8AC3E}">
+        <p14:creationId xmlns:p14="http://schemas.microsoft.com/office/powerpoint/2010/main" val="1087526092"/>
       </p:ext>
     </p:extLst>
   </p:cSld>

--- a/Reinforcement Learning/experiments.pptx
+++ b/Reinforcement Learning/experiments.pptx
@@ -10,6 +10,10 @@
     <p:sldId id="258" r:id="rId4"/>
     <p:sldId id="259" r:id="rId5"/>
     <p:sldId id="260" r:id="rId6"/>
+    <p:sldId id="261" r:id="rId7"/>
+    <p:sldId id="262" r:id="rId8"/>
+    <p:sldId id="263" r:id="rId9"/>
+    <p:sldId id="264" r:id="rId10"/>
   </p:sldIdLst>
   <p:sldSz cx="12192000" cy="6858000"/>
   <p:notesSz cx="6858000" cy="9144000"/>
@@ -329,7 +333,7 @@
           <a:p>
             <a:fld id="{81B8F32D-D8B6-4B9E-9CBF-DCAC30B7B93D}" type="datetimeFigureOut">
               <a:rPr lang="en-US" smtClean="0"/>
-              <a:t>7/20/2021</a:t>
+              <a:t>7/22/2021</a:t>
             </a:fld>
             <a:endParaRPr lang="en-US"/>
           </a:p>
@@ -621,7 +625,7 @@
             <a:fld id="{81B8F32D-D8B6-4B9E-9CBF-DCAC30B7B93D}" type="datetimeFigureOut">
               <a:rPr lang="en-US" smtClean="0"/>
               <a:pPr/>
-              <a:t>7/20/2021</a:t>
+              <a:t>7/22/2021</a:t>
             </a:fld>
             <a:endParaRPr lang="en-US" dirty="0"/>
           </a:p>
@@ -882,7 +886,7 @@
             <a:fld id="{81B8F32D-D8B6-4B9E-9CBF-DCAC30B7B93D}" type="datetimeFigureOut">
               <a:rPr lang="en-US" smtClean="0"/>
               <a:pPr/>
-              <a:t>7/20/2021</a:t>
+              <a:t>7/22/2021</a:t>
             </a:fld>
             <a:endParaRPr lang="en-US" dirty="0"/>
           </a:p>
@@ -1353,7 +1357,7 @@
             <a:fld id="{81B8F32D-D8B6-4B9E-9CBF-DCAC30B7B93D}" type="datetimeFigureOut">
               <a:rPr lang="en-US" smtClean="0"/>
               <a:pPr/>
-              <a:t>7/20/2021</a:t>
+              <a:t>7/22/2021</a:t>
             </a:fld>
             <a:endParaRPr lang="en-US" dirty="0"/>
           </a:p>
@@ -1535,7 +1539,7 @@
             <a:fld id="{81B8F32D-D8B6-4B9E-9CBF-DCAC30B7B93D}" type="datetimeFigureOut">
               <a:rPr lang="en-US" smtClean="0"/>
               <a:pPr/>
-              <a:t>7/20/2021</a:t>
+              <a:t>7/22/2021</a:t>
             </a:fld>
             <a:endParaRPr lang="en-US" dirty="0"/>
           </a:p>
@@ -2113,7 +2117,7 @@
             <a:fld id="{81B8F32D-D8B6-4B9E-9CBF-DCAC30B7B93D}" type="datetimeFigureOut">
               <a:rPr lang="en-US" smtClean="0"/>
               <a:pPr/>
-              <a:t>7/20/2021</a:t>
+              <a:t>7/22/2021</a:t>
             </a:fld>
             <a:endParaRPr lang="en-US" dirty="0"/>
           </a:p>
@@ -2447,7 +2451,7 @@
             <a:fld id="{81B8F32D-D8B6-4B9E-9CBF-DCAC30B7B93D}" type="datetimeFigureOut">
               <a:rPr lang="en-US" smtClean="0"/>
               <a:pPr/>
-              <a:t>7/20/2021</a:t>
+              <a:t>7/22/2021</a:t>
             </a:fld>
             <a:endParaRPr lang="en-US" dirty="0"/>
           </a:p>
@@ -2623,7 +2627,7 @@
           <a:p>
             <a:fld id="{81B8F32D-D8B6-4B9E-9CBF-DCAC30B7B93D}" type="datetimeFigureOut">
               <a:rPr lang="en-US" smtClean="0"/>
-              <a:t>7/20/2021</a:t>
+              <a:t>7/22/2021</a:t>
             </a:fld>
             <a:endParaRPr lang="en-US"/>
           </a:p>
@@ -2803,7 +2807,7 @@
           <a:p>
             <a:fld id="{81B8F32D-D8B6-4B9E-9CBF-DCAC30B7B93D}" type="datetimeFigureOut">
               <a:rPr lang="en-US" smtClean="0"/>
-              <a:t>7/20/2021</a:t>
+              <a:t>7/22/2021</a:t>
             </a:fld>
             <a:endParaRPr lang="en-US"/>
           </a:p>
@@ -2973,7 +2977,7 @@
           <a:p>
             <a:fld id="{81B8F32D-D8B6-4B9E-9CBF-DCAC30B7B93D}" type="datetimeFigureOut">
               <a:rPr lang="en-US" smtClean="0"/>
-              <a:t>7/20/2021</a:t>
+              <a:t>7/22/2021</a:t>
             </a:fld>
             <a:endParaRPr lang="en-US"/>
           </a:p>
@@ -3230,7 +3234,7 @@
           <a:p>
             <a:fld id="{81B8F32D-D8B6-4B9E-9CBF-DCAC30B7B93D}" type="datetimeFigureOut">
               <a:rPr lang="en-US" smtClean="0"/>
-              <a:t>7/20/2021</a:t>
+              <a:t>7/22/2021</a:t>
             </a:fld>
             <a:endParaRPr lang="en-US"/>
           </a:p>
@@ -3522,7 +3526,7 @@
           <a:p>
             <a:fld id="{81B8F32D-D8B6-4B9E-9CBF-DCAC30B7B93D}" type="datetimeFigureOut">
               <a:rPr lang="en-US" smtClean="0"/>
-              <a:t>7/20/2021</a:t>
+              <a:t>7/22/2021</a:t>
             </a:fld>
             <a:endParaRPr lang="en-US"/>
           </a:p>
@@ -3952,7 +3956,7 @@
           <a:p>
             <a:fld id="{81B8F32D-D8B6-4B9E-9CBF-DCAC30B7B93D}" type="datetimeFigureOut">
               <a:rPr lang="en-US" smtClean="0"/>
-              <a:t>7/20/2021</a:t>
+              <a:t>7/22/2021</a:t>
             </a:fld>
             <a:endParaRPr lang="en-US"/>
           </a:p>
@@ -4070,7 +4074,7 @@
           <a:p>
             <a:fld id="{81B8F32D-D8B6-4B9E-9CBF-DCAC30B7B93D}" type="datetimeFigureOut">
               <a:rPr lang="en-US" smtClean="0"/>
-              <a:t>7/20/2021</a:t>
+              <a:t>7/22/2021</a:t>
             </a:fld>
             <a:endParaRPr lang="en-US"/>
           </a:p>
@@ -4165,7 +4169,7 @@
           <a:p>
             <a:fld id="{81B8F32D-D8B6-4B9E-9CBF-DCAC30B7B93D}" type="datetimeFigureOut">
               <a:rPr lang="en-US" smtClean="0"/>
-              <a:t>7/20/2021</a:t>
+              <a:t>7/22/2021</a:t>
             </a:fld>
             <a:endParaRPr lang="en-US"/>
           </a:p>
@@ -4448,7 +4452,7 @@
           <a:p>
             <a:fld id="{81B8F32D-D8B6-4B9E-9CBF-DCAC30B7B93D}" type="datetimeFigureOut">
               <a:rPr lang="en-US" smtClean="0"/>
-              <a:t>7/20/2021</a:t>
+              <a:t>7/22/2021</a:t>
             </a:fld>
             <a:endParaRPr lang="en-US"/>
           </a:p>
@@ -4739,7 +4743,7 @@
           <a:p>
             <a:fld id="{81B8F32D-D8B6-4B9E-9CBF-DCAC30B7B93D}" type="datetimeFigureOut">
               <a:rPr lang="en-US" smtClean="0"/>
-              <a:t>7/20/2021</a:t>
+              <a:t>7/22/2021</a:t>
             </a:fld>
             <a:endParaRPr lang="en-US"/>
           </a:p>
@@ -4971,7 +4975,7 @@
             <a:fld id="{81B8F32D-D8B6-4B9E-9CBF-DCAC30B7B93D}" type="datetimeFigureOut">
               <a:rPr lang="en-US" smtClean="0"/>
               <a:pPr/>
-              <a:t>7/20/2021</a:t>
+              <a:t>7/22/2021</a:t>
             </a:fld>
             <a:endParaRPr lang="en-US" dirty="0"/>
           </a:p>
@@ -7484,6 +7488,1342 @@
 </p:sld>
 </file>
 
+<file path=ppt/slides/slide6.xml><?xml version="1.0" encoding="utf-8"?>
+<p:sld xmlns:a="http://schemas.openxmlformats.org/drawingml/2006/main" xmlns:r="http://schemas.openxmlformats.org/officeDocument/2006/relationships" xmlns:p="http://schemas.openxmlformats.org/presentationml/2006/main">
+  <p:cSld>
+    <p:spTree>
+      <p:nvGrpSpPr>
+        <p:cNvPr id="1" name=""/>
+        <p:cNvGrpSpPr/>
+        <p:nvPr/>
+      </p:nvGrpSpPr>
+      <p:grpSpPr>
+        <a:xfrm>
+          <a:off x="0" y="0"/>
+          <a:ext cx="0" cy="0"/>
+          <a:chOff x="0" y="0"/>
+          <a:chExt cx="0" cy="0"/>
+        </a:xfrm>
+      </p:grpSpPr>
+      <p:sp>
+        <p:nvSpPr>
+          <p:cNvPr id="2" name="Title 1">
+            <a:extLst>
+              <a:ext uri="{FF2B5EF4-FFF2-40B4-BE49-F238E27FC236}">
+                <a16:creationId xmlns:a16="http://schemas.microsoft.com/office/drawing/2014/main" id="{B0376D67-7DAA-4203-83DC-51B07D1494F7}"/>
+              </a:ext>
+            </a:extLst>
+          </p:cNvPr>
+          <p:cNvSpPr>
+            <a:spLocks noGrp="1"/>
+          </p:cNvSpPr>
+          <p:nvPr>
+            <p:ph type="title"/>
+          </p:nvPr>
+        </p:nvSpPr>
+        <p:spPr>
+          <a:xfrm>
+            <a:off x="88775" y="88776"/>
+            <a:ext cx="8854627" cy="747944"/>
+          </a:xfrm>
+        </p:spPr>
+        <p:txBody>
+          <a:bodyPr/>
+          <a:lstStyle/>
+          <a:p>
+            <a:r>
+              <a:rPr lang="en-US" dirty="0"/>
+              <a:t>7/21/2021</a:t>
+            </a:r>
+          </a:p>
+        </p:txBody>
+      </p:sp>
+      <p:sp>
+        <p:nvSpPr>
+          <p:cNvPr id="3" name="Content Placeholder 2">
+            <a:extLst>
+              <a:ext uri="{FF2B5EF4-FFF2-40B4-BE49-F238E27FC236}">
+                <a16:creationId xmlns:a16="http://schemas.microsoft.com/office/drawing/2014/main" id="{0AF7EF79-62B3-40C1-9118-BA92832CCD85}"/>
+              </a:ext>
+            </a:extLst>
+          </p:cNvPr>
+          <p:cNvSpPr>
+            <a:spLocks noGrp="1"/>
+          </p:cNvSpPr>
+          <p:nvPr>
+            <p:ph idx="1"/>
+          </p:nvPr>
+        </p:nvSpPr>
+        <p:spPr>
+          <a:xfrm>
+            <a:off x="270588" y="961052"/>
+            <a:ext cx="10394302" cy="1268963"/>
+          </a:xfrm>
+        </p:spPr>
+        <p:txBody>
+          <a:bodyPr>
+            <a:normAutofit lnSpcReduction="10000"/>
+          </a:bodyPr>
+          <a:lstStyle/>
+          <a:p>
+            <a:r>
+              <a:rPr lang="en-US" dirty="0"/>
+              <a:t>Today I went through and changed up the logic to limit the big O(N) time.</a:t>
+            </a:r>
+          </a:p>
+          <a:p>
+            <a:r>
+              <a:rPr lang="en-US" dirty="0"/>
+              <a:t>Along with this, I encouraged forward checking for orphans blocks in all situations</a:t>
+            </a:r>
+          </a:p>
+          <a:p>
+            <a:r>
+              <a:rPr lang="en-US" dirty="0"/>
+              <a:t>I increase the penalties and rewards for proper actions</a:t>
+            </a:r>
+          </a:p>
+        </p:txBody>
+      </p:sp>
+    </p:spTree>
+    <p:extLst>
+      <p:ext uri="{BB962C8B-B14F-4D97-AF65-F5344CB8AC3E}">
+        <p14:creationId xmlns:p14="http://schemas.microsoft.com/office/powerpoint/2010/main" val="1058398545"/>
+      </p:ext>
+    </p:extLst>
+  </p:cSld>
+  <p:clrMapOvr>
+    <a:masterClrMapping/>
+  </p:clrMapOvr>
+</p:sld>
+</file>
+
+<file path=ppt/slides/slide7.xml><?xml version="1.0" encoding="utf-8"?>
+<p:sld xmlns:a="http://schemas.openxmlformats.org/drawingml/2006/main" xmlns:r="http://schemas.openxmlformats.org/officeDocument/2006/relationships" xmlns:p="http://schemas.openxmlformats.org/presentationml/2006/main">
+  <p:cSld>
+    <p:spTree>
+      <p:nvGrpSpPr>
+        <p:cNvPr id="1" name=""/>
+        <p:cNvGrpSpPr/>
+        <p:nvPr/>
+      </p:nvGrpSpPr>
+      <p:grpSpPr>
+        <a:xfrm>
+          <a:off x="0" y="0"/>
+          <a:ext cx="0" cy="0"/>
+          <a:chOff x="0" y="0"/>
+          <a:chExt cx="0" cy="0"/>
+        </a:xfrm>
+      </p:grpSpPr>
+      <p:sp>
+        <p:nvSpPr>
+          <p:cNvPr id="2" name="Title 1">
+            <a:extLst>
+              <a:ext uri="{FF2B5EF4-FFF2-40B4-BE49-F238E27FC236}">
+                <a16:creationId xmlns:a16="http://schemas.microsoft.com/office/drawing/2014/main" id="{2EB6F4BD-95DA-4463-B4A9-775DBCDA1A36}"/>
+              </a:ext>
+            </a:extLst>
+          </p:cNvPr>
+          <p:cNvSpPr>
+            <a:spLocks noGrp="1"/>
+          </p:cNvSpPr>
+          <p:nvPr>
+            <p:ph type="title"/>
+          </p:nvPr>
+        </p:nvSpPr>
+        <p:spPr>
+          <a:xfrm>
+            <a:off x="88777" y="106532"/>
+            <a:ext cx="9307388" cy="517124"/>
+          </a:xfrm>
+        </p:spPr>
+        <p:txBody>
+          <a:bodyPr>
+            <a:normAutofit fontScale="90000"/>
+          </a:bodyPr>
+          <a:lstStyle/>
+          <a:p>
+            <a:r>
+              <a:rPr lang="en-US" dirty="0"/>
+              <a:t>7/22/2021 Results</a:t>
+            </a:r>
+          </a:p>
+        </p:txBody>
+      </p:sp>
+      <p:pic>
+        <p:nvPicPr>
+          <p:cNvPr id="5" name="Content Placeholder 4">
+            <a:extLst>
+              <a:ext uri="{FF2B5EF4-FFF2-40B4-BE49-F238E27FC236}">
+                <a16:creationId xmlns:a16="http://schemas.microsoft.com/office/drawing/2014/main" id="{6F2EAC9E-7FB1-49BC-BCB9-5EF9D1A322F3}"/>
+              </a:ext>
+            </a:extLst>
+          </p:cNvPr>
+          <p:cNvPicPr>
+            <a:picLocks noGrp="1" noChangeAspect="1"/>
+          </p:cNvPicPr>
+          <p:nvPr>
+            <p:ph idx="1"/>
+          </p:nvPr>
+        </p:nvPicPr>
+        <p:blipFill>
+          <a:blip r:embed="rId2"/>
+          <a:stretch>
+            <a:fillRect/>
+          </a:stretch>
+        </p:blipFill>
+        <p:spPr>
+          <a:xfrm>
+            <a:off x="2" y="623657"/>
+            <a:ext cx="2976496" cy="1937457"/>
+          </a:xfrm>
+        </p:spPr>
+      </p:pic>
+      <p:pic>
+        <p:nvPicPr>
+          <p:cNvPr id="7" name="Picture 6">
+            <a:extLst>
+              <a:ext uri="{FF2B5EF4-FFF2-40B4-BE49-F238E27FC236}">
+                <a16:creationId xmlns:a16="http://schemas.microsoft.com/office/drawing/2014/main" id="{C42EBC2A-D71C-48E3-8BEB-7B68D4584ABE}"/>
+              </a:ext>
+            </a:extLst>
+          </p:cNvPr>
+          <p:cNvPicPr>
+            <a:picLocks noChangeAspect="1"/>
+          </p:cNvPicPr>
+          <p:nvPr/>
+        </p:nvPicPr>
+        <p:blipFill>
+          <a:blip r:embed="rId3"/>
+          <a:stretch>
+            <a:fillRect/>
+          </a:stretch>
+        </p:blipFill>
+        <p:spPr>
+          <a:xfrm>
+            <a:off x="367782" y="693479"/>
+            <a:ext cx="2272781" cy="527610"/>
+          </a:xfrm>
+          <a:prstGeom prst="rect">
+            <a:avLst/>
+          </a:prstGeom>
+        </p:spPr>
+      </p:pic>
+      <p:pic>
+        <p:nvPicPr>
+          <p:cNvPr id="9" name="Picture 8">
+            <a:extLst>
+              <a:ext uri="{FF2B5EF4-FFF2-40B4-BE49-F238E27FC236}">
+                <a16:creationId xmlns:a16="http://schemas.microsoft.com/office/drawing/2014/main" id="{2B44F9A2-2218-4EBE-9C13-73812A2018FD}"/>
+              </a:ext>
+            </a:extLst>
+          </p:cNvPr>
+          <p:cNvPicPr>
+            <a:picLocks noChangeAspect="1"/>
+          </p:cNvPicPr>
+          <p:nvPr/>
+        </p:nvPicPr>
+        <p:blipFill>
+          <a:blip r:embed="rId4"/>
+          <a:stretch>
+            <a:fillRect/>
+          </a:stretch>
+        </p:blipFill>
+        <p:spPr>
+          <a:xfrm>
+            <a:off x="0" y="2561114"/>
+            <a:ext cx="2976497" cy="1968456"/>
+          </a:xfrm>
+          <a:prstGeom prst="rect">
+            <a:avLst/>
+          </a:prstGeom>
+        </p:spPr>
+      </p:pic>
+      <p:pic>
+        <p:nvPicPr>
+          <p:cNvPr id="11" name="Picture 10">
+            <a:extLst>
+              <a:ext uri="{FF2B5EF4-FFF2-40B4-BE49-F238E27FC236}">
+                <a16:creationId xmlns:a16="http://schemas.microsoft.com/office/drawing/2014/main" id="{A53EED35-2778-45A8-8448-663C81D53C70}"/>
+              </a:ext>
+            </a:extLst>
+          </p:cNvPr>
+          <p:cNvPicPr>
+            <a:picLocks noChangeAspect="1"/>
+          </p:cNvPicPr>
+          <p:nvPr/>
+        </p:nvPicPr>
+        <p:blipFill>
+          <a:blip r:embed="rId5"/>
+          <a:stretch>
+            <a:fillRect/>
+          </a:stretch>
+        </p:blipFill>
+        <p:spPr>
+          <a:xfrm>
+            <a:off x="830424" y="2630936"/>
+            <a:ext cx="2036406" cy="450918"/>
+          </a:xfrm>
+          <a:prstGeom prst="rect">
+            <a:avLst/>
+          </a:prstGeom>
+        </p:spPr>
+      </p:pic>
+      <p:pic>
+        <p:nvPicPr>
+          <p:cNvPr id="13" name="Picture 12">
+            <a:extLst>
+              <a:ext uri="{FF2B5EF4-FFF2-40B4-BE49-F238E27FC236}">
+                <a16:creationId xmlns:a16="http://schemas.microsoft.com/office/drawing/2014/main" id="{727B84B1-132A-4491-A63B-65039F0D07A3}"/>
+              </a:ext>
+            </a:extLst>
+          </p:cNvPr>
+          <p:cNvPicPr>
+            <a:picLocks noChangeAspect="1"/>
+          </p:cNvPicPr>
+          <p:nvPr/>
+        </p:nvPicPr>
+        <p:blipFill>
+          <a:blip r:embed="rId6"/>
+          <a:stretch>
+            <a:fillRect/>
+          </a:stretch>
+        </p:blipFill>
+        <p:spPr>
+          <a:xfrm>
+            <a:off x="0" y="4529570"/>
+            <a:ext cx="2976497" cy="1937457"/>
+          </a:xfrm>
+          <a:prstGeom prst="rect">
+            <a:avLst/>
+          </a:prstGeom>
+        </p:spPr>
+      </p:pic>
+      <p:pic>
+        <p:nvPicPr>
+          <p:cNvPr id="15" name="Picture 14">
+            <a:extLst>
+              <a:ext uri="{FF2B5EF4-FFF2-40B4-BE49-F238E27FC236}">
+                <a16:creationId xmlns:a16="http://schemas.microsoft.com/office/drawing/2014/main" id="{FAFD557B-EF4B-41E9-964C-72F907EC3C9B}"/>
+              </a:ext>
+            </a:extLst>
+          </p:cNvPr>
+          <p:cNvPicPr>
+            <a:picLocks noChangeAspect="1"/>
+          </p:cNvPicPr>
+          <p:nvPr/>
+        </p:nvPicPr>
+        <p:blipFill>
+          <a:blip r:embed="rId7"/>
+          <a:stretch>
+            <a:fillRect/>
+          </a:stretch>
+        </p:blipFill>
+        <p:spPr>
+          <a:xfrm>
+            <a:off x="991345" y="4599392"/>
+            <a:ext cx="1875485" cy="434895"/>
+          </a:xfrm>
+          <a:prstGeom prst="rect">
+            <a:avLst/>
+          </a:prstGeom>
+        </p:spPr>
+      </p:pic>
+      <p:pic>
+        <p:nvPicPr>
+          <p:cNvPr id="17" name="Picture 16">
+            <a:extLst>
+              <a:ext uri="{FF2B5EF4-FFF2-40B4-BE49-F238E27FC236}">
+                <a16:creationId xmlns:a16="http://schemas.microsoft.com/office/drawing/2014/main" id="{B8057D4F-F700-4DCD-9099-4BF5BC939491}"/>
+              </a:ext>
+            </a:extLst>
+          </p:cNvPr>
+          <p:cNvPicPr>
+            <a:picLocks noChangeAspect="1"/>
+          </p:cNvPicPr>
+          <p:nvPr/>
+        </p:nvPicPr>
+        <p:blipFill>
+          <a:blip r:embed="rId8"/>
+          <a:stretch>
+            <a:fillRect/>
+          </a:stretch>
+        </p:blipFill>
+        <p:spPr>
+          <a:xfrm>
+            <a:off x="2976497" y="623655"/>
+            <a:ext cx="2976496" cy="1937457"/>
+          </a:xfrm>
+          <a:prstGeom prst="rect">
+            <a:avLst/>
+          </a:prstGeom>
+        </p:spPr>
+      </p:pic>
+      <p:pic>
+        <p:nvPicPr>
+          <p:cNvPr id="19" name="Picture 18">
+            <a:extLst>
+              <a:ext uri="{FF2B5EF4-FFF2-40B4-BE49-F238E27FC236}">
+                <a16:creationId xmlns:a16="http://schemas.microsoft.com/office/drawing/2014/main" id="{5C6E8708-3518-4F1E-A96A-79EFE1B36651}"/>
+              </a:ext>
+            </a:extLst>
+          </p:cNvPr>
+          <p:cNvPicPr>
+            <a:picLocks noChangeAspect="1"/>
+          </p:cNvPicPr>
+          <p:nvPr/>
+        </p:nvPicPr>
+        <p:blipFill>
+          <a:blip r:embed="rId9"/>
+          <a:stretch>
+            <a:fillRect/>
+          </a:stretch>
+        </p:blipFill>
+        <p:spPr>
+          <a:xfrm>
+            <a:off x="3769250" y="784769"/>
+            <a:ext cx="1857667" cy="436320"/>
+          </a:xfrm>
+          <a:prstGeom prst="rect">
+            <a:avLst/>
+          </a:prstGeom>
+        </p:spPr>
+      </p:pic>
+      <p:pic>
+        <p:nvPicPr>
+          <p:cNvPr id="21" name="Picture 20">
+            <a:extLst>
+              <a:ext uri="{FF2B5EF4-FFF2-40B4-BE49-F238E27FC236}">
+                <a16:creationId xmlns:a16="http://schemas.microsoft.com/office/drawing/2014/main" id="{F1AF0101-8408-4BC3-8D29-B57A2E78DD36}"/>
+              </a:ext>
+            </a:extLst>
+          </p:cNvPr>
+          <p:cNvPicPr>
+            <a:picLocks noChangeAspect="1"/>
+          </p:cNvPicPr>
+          <p:nvPr/>
+        </p:nvPicPr>
+        <p:blipFill>
+          <a:blip r:embed="rId10"/>
+          <a:stretch>
+            <a:fillRect/>
+          </a:stretch>
+        </p:blipFill>
+        <p:spPr>
+          <a:xfrm>
+            <a:off x="2976497" y="2511213"/>
+            <a:ext cx="2976496" cy="1937457"/>
+          </a:xfrm>
+          <a:prstGeom prst="rect">
+            <a:avLst/>
+          </a:prstGeom>
+        </p:spPr>
+      </p:pic>
+      <p:pic>
+        <p:nvPicPr>
+          <p:cNvPr id="23" name="Picture 22">
+            <a:extLst>
+              <a:ext uri="{FF2B5EF4-FFF2-40B4-BE49-F238E27FC236}">
+                <a16:creationId xmlns:a16="http://schemas.microsoft.com/office/drawing/2014/main" id="{6A3434CA-0194-4965-8EB2-63815D014430}"/>
+              </a:ext>
+            </a:extLst>
+          </p:cNvPr>
+          <p:cNvPicPr>
+            <a:picLocks noChangeAspect="1"/>
+          </p:cNvPicPr>
+          <p:nvPr/>
+        </p:nvPicPr>
+        <p:blipFill>
+          <a:blip r:embed="rId11"/>
+          <a:stretch>
+            <a:fillRect/>
+          </a:stretch>
+        </p:blipFill>
+        <p:spPr>
+          <a:xfrm>
+            <a:off x="3730007" y="2596728"/>
+            <a:ext cx="1936151" cy="435634"/>
+          </a:xfrm>
+          <a:prstGeom prst="rect">
+            <a:avLst/>
+          </a:prstGeom>
+        </p:spPr>
+      </p:pic>
+      <p:pic>
+        <p:nvPicPr>
+          <p:cNvPr id="25" name="Picture 24">
+            <a:extLst>
+              <a:ext uri="{FF2B5EF4-FFF2-40B4-BE49-F238E27FC236}">
+                <a16:creationId xmlns:a16="http://schemas.microsoft.com/office/drawing/2014/main" id="{680CED2C-7EED-4968-96AF-B9B6499F0496}"/>
+              </a:ext>
+            </a:extLst>
+          </p:cNvPr>
+          <p:cNvPicPr>
+            <a:picLocks noChangeAspect="1"/>
+          </p:cNvPicPr>
+          <p:nvPr/>
+        </p:nvPicPr>
+        <p:blipFill>
+          <a:blip r:embed="rId12"/>
+          <a:stretch>
+            <a:fillRect/>
+          </a:stretch>
+        </p:blipFill>
+        <p:spPr>
+          <a:xfrm>
+            <a:off x="2963860" y="4441934"/>
+            <a:ext cx="2976496" cy="1937457"/>
+          </a:xfrm>
+          <a:prstGeom prst="rect">
+            <a:avLst/>
+          </a:prstGeom>
+        </p:spPr>
+      </p:pic>
+      <p:pic>
+        <p:nvPicPr>
+          <p:cNvPr id="27" name="Picture 26">
+            <a:extLst>
+              <a:ext uri="{FF2B5EF4-FFF2-40B4-BE49-F238E27FC236}">
+                <a16:creationId xmlns:a16="http://schemas.microsoft.com/office/drawing/2014/main" id="{C5C3C4B2-D7FB-4864-9B93-B0B1D450ED53}"/>
+              </a:ext>
+            </a:extLst>
+          </p:cNvPr>
+          <p:cNvPicPr>
+            <a:picLocks noChangeAspect="1"/>
+          </p:cNvPicPr>
+          <p:nvPr/>
+        </p:nvPicPr>
+        <p:blipFill>
+          <a:blip r:embed="rId13"/>
+          <a:stretch>
+            <a:fillRect/>
+          </a:stretch>
+        </p:blipFill>
+        <p:spPr>
+          <a:xfrm>
+            <a:off x="3858175" y="4558893"/>
+            <a:ext cx="1936151" cy="447342"/>
+          </a:xfrm>
+          <a:prstGeom prst="rect">
+            <a:avLst/>
+          </a:prstGeom>
+        </p:spPr>
+      </p:pic>
+      <p:pic>
+        <p:nvPicPr>
+          <p:cNvPr id="29" name="Picture 28">
+            <a:extLst>
+              <a:ext uri="{FF2B5EF4-FFF2-40B4-BE49-F238E27FC236}">
+                <a16:creationId xmlns:a16="http://schemas.microsoft.com/office/drawing/2014/main" id="{E33D1087-307E-41F9-BD13-621AA7D9C7DB}"/>
+              </a:ext>
+            </a:extLst>
+          </p:cNvPr>
+          <p:cNvPicPr>
+            <a:picLocks noChangeAspect="1"/>
+          </p:cNvPicPr>
+          <p:nvPr/>
+        </p:nvPicPr>
+        <p:blipFill>
+          <a:blip r:embed="rId14"/>
+          <a:stretch>
+            <a:fillRect/>
+          </a:stretch>
+        </p:blipFill>
+        <p:spPr>
+          <a:xfrm>
+            <a:off x="6062660" y="618992"/>
+            <a:ext cx="2551787" cy="1631039"/>
+          </a:xfrm>
+          <a:prstGeom prst="rect">
+            <a:avLst/>
+          </a:prstGeom>
+        </p:spPr>
+      </p:pic>
+      <p:pic>
+        <p:nvPicPr>
+          <p:cNvPr id="31" name="Picture 30">
+            <a:extLst>
+              <a:ext uri="{FF2B5EF4-FFF2-40B4-BE49-F238E27FC236}">
+                <a16:creationId xmlns:a16="http://schemas.microsoft.com/office/drawing/2014/main" id="{5097790F-D0A9-41A3-90E5-9F7F733C4F51}"/>
+              </a:ext>
+            </a:extLst>
+          </p:cNvPr>
+          <p:cNvPicPr>
+            <a:picLocks noChangeAspect="1"/>
+          </p:cNvPicPr>
+          <p:nvPr/>
+        </p:nvPicPr>
+        <p:blipFill>
+          <a:blip r:embed="rId15"/>
+          <a:stretch>
+            <a:fillRect/>
+          </a:stretch>
+        </p:blipFill>
+        <p:spPr>
+          <a:xfrm>
+            <a:off x="6370477" y="785112"/>
+            <a:ext cx="1936151" cy="435634"/>
+          </a:xfrm>
+          <a:prstGeom prst="rect">
+            <a:avLst/>
+          </a:prstGeom>
+        </p:spPr>
+      </p:pic>
+      <p:pic>
+        <p:nvPicPr>
+          <p:cNvPr id="33" name="Picture 32">
+            <a:extLst>
+              <a:ext uri="{FF2B5EF4-FFF2-40B4-BE49-F238E27FC236}">
+                <a16:creationId xmlns:a16="http://schemas.microsoft.com/office/drawing/2014/main" id="{A5B4F656-02DA-4C8D-B68C-70EF1451BFC4}"/>
+              </a:ext>
+            </a:extLst>
+          </p:cNvPr>
+          <p:cNvPicPr>
+            <a:picLocks noChangeAspect="1"/>
+          </p:cNvPicPr>
+          <p:nvPr/>
+        </p:nvPicPr>
+        <p:blipFill>
+          <a:blip r:embed="rId16"/>
+          <a:stretch>
+            <a:fillRect/>
+          </a:stretch>
+        </p:blipFill>
+        <p:spPr>
+          <a:xfrm>
+            <a:off x="6062660" y="2266335"/>
+            <a:ext cx="2551786" cy="1631038"/>
+          </a:xfrm>
+          <a:prstGeom prst="rect">
+            <a:avLst/>
+          </a:prstGeom>
+        </p:spPr>
+      </p:pic>
+      <p:pic>
+        <p:nvPicPr>
+          <p:cNvPr id="35" name="Picture 34">
+            <a:extLst>
+              <a:ext uri="{FF2B5EF4-FFF2-40B4-BE49-F238E27FC236}">
+                <a16:creationId xmlns:a16="http://schemas.microsoft.com/office/drawing/2014/main" id="{674E3E24-3A68-45DB-9E1F-4C294078D26B}"/>
+              </a:ext>
+            </a:extLst>
+          </p:cNvPr>
+          <p:cNvPicPr>
+            <a:picLocks noChangeAspect="1"/>
+          </p:cNvPicPr>
+          <p:nvPr/>
+        </p:nvPicPr>
+        <p:blipFill>
+          <a:blip r:embed="rId17"/>
+          <a:stretch>
+            <a:fillRect/>
+          </a:stretch>
+        </p:blipFill>
+        <p:spPr>
+          <a:xfrm>
+            <a:off x="6419668" y="2511213"/>
+            <a:ext cx="1936151" cy="450424"/>
+          </a:xfrm>
+          <a:prstGeom prst="rect">
+            <a:avLst/>
+          </a:prstGeom>
+        </p:spPr>
+      </p:pic>
+      <p:pic>
+        <p:nvPicPr>
+          <p:cNvPr id="37" name="Picture 36">
+            <a:extLst>
+              <a:ext uri="{FF2B5EF4-FFF2-40B4-BE49-F238E27FC236}">
+                <a16:creationId xmlns:a16="http://schemas.microsoft.com/office/drawing/2014/main" id="{35BDA288-0DB3-4B70-B420-43767CFC6652}"/>
+              </a:ext>
+            </a:extLst>
+          </p:cNvPr>
+          <p:cNvPicPr>
+            <a:picLocks noChangeAspect="1"/>
+          </p:cNvPicPr>
+          <p:nvPr/>
+        </p:nvPicPr>
+        <p:blipFill>
+          <a:blip r:embed="rId18"/>
+          <a:stretch>
+            <a:fillRect/>
+          </a:stretch>
+        </p:blipFill>
+        <p:spPr>
+          <a:xfrm>
+            <a:off x="6050023" y="3892098"/>
+            <a:ext cx="2551786" cy="1606200"/>
+          </a:xfrm>
+          <a:prstGeom prst="rect">
+            <a:avLst/>
+          </a:prstGeom>
+        </p:spPr>
+      </p:pic>
+      <p:pic>
+        <p:nvPicPr>
+          <p:cNvPr id="39" name="Picture 38">
+            <a:extLst>
+              <a:ext uri="{FF2B5EF4-FFF2-40B4-BE49-F238E27FC236}">
+                <a16:creationId xmlns:a16="http://schemas.microsoft.com/office/drawing/2014/main" id="{F5568286-FF80-4FA7-8D79-6802F162B9EA}"/>
+              </a:ext>
+            </a:extLst>
+          </p:cNvPr>
+          <p:cNvPicPr>
+            <a:picLocks noChangeAspect="1"/>
+          </p:cNvPicPr>
+          <p:nvPr/>
+        </p:nvPicPr>
+        <p:blipFill>
+          <a:blip r:embed="rId19"/>
+          <a:stretch>
+            <a:fillRect/>
+          </a:stretch>
+        </p:blipFill>
+        <p:spPr>
+          <a:xfrm>
+            <a:off x="6419667" y="4130902"/>
+            <a:ext cx="1936151" cy="427991"/>
+          </a:xfrm>
+          <a:prstGeom prst="rect">
+            <a:avLst/>
+          </a:prstGeom>
+        </p:spPr>
+      </p:pic>
+      <p:pic>
+        <p:nvPicPr>
+          <p:cNvPr id="41" name="Picture 40">
+            <a:extLst>
+              <a:ext uri="{FF2B5EF4-FFF2-40B4-BE49-F238E27FC236}">
+                <a16:creationId xmlns:a16="http://schemas.microsoft.com/office/drawing/2014/main" id="{A9E5AF13-1B0E-40C9-91C8-E4A1D1DA6EBF}"/>
+              </a:ext>
+            </a:extLst>
+          </p:cNvPr>
+          <p:cNvPicPr>
+            <a:picLocks noChangeAspect="1"/>
+          </p:cNvPicPr>
+          <p:nvPr/>
+        </p:nvPicPr>
+        <p:blipFill>
+          <a:blip r:embed="rId20"/>
+          <a:stretch>
+            <a:fillRect/>
+          </a:stretch>
+        </p:blipFill>
+        <p:spPr>
+          <a:xfrm>
+            <a:off x="8724113" y="618992"/>
+            <a:ext cx="2551787" cy="1606201"/>
+          </a:xfrm>
+          <a:prstGeom prst="rect">
+            <a:avLst/>
+          </a:prstGeom>
+        </p:spPr>
+      </p:pic>
+      <p:pic>
+        <p:nvPicPr>
+          <p:cNvPr id="43" name="Picture 42">
+            <a:extLst>
+              <a:ext uri="{FF2B5EF4-FFF2-40B4-BE49-F238E27FC236}">
+                <a16:creationId xmlns:a16="http://schemas.microsoft.com/office/drawing/2014/main" id="{9DC44E78-6A07-4C6C-9501-BEA4140EDA7B}"/>
+              </a:ext>
+            </a:extLst>
+          </p:cNvPr>
+          <p:cNvPicPr>
+            <a:picLocks noChangeAspect="1"/>
+          </p:cNvPicPr>
+          <p:nvPr/>
+        </p:nvPicPr>
+        <p:blipFill>
+          <a:blip r:embed="rId21"/>
+          <a:stretch>
+            <a:fillRect/>
+          </a:stretch>
+        </p:blipFill>
+        <p:spPr>
+          <a:xfrm>
+            <a:off x="9039155" y="753700"/>
+            <a:ext cx="2004705" cy="467046"/>
+          </a:xfrm>
+          <a:prstGeom prst="rect">
+            <a:avLst/>
+          </a:prstGeom>
+        </p:spPr>
+      </p:pic>
+      <p:pic>
+        <p:nvPicPr>
+          <p:cNvPr id="45" name="Picture 44">
+            <a:extLst>
+              <a:ext uri="{FF2B5EF4-FFF2-40B4-BE49-F238E27FC236}">
+                <a16:creationId xmlns:a16="http://schemas.microsoft.com/office/drawing/2014/main" id="{D1E96EFA-3AD2-4D1F-9B5A-8CDB2122FB8A}"/>
+              </a:ext>
+            </a:extLst>
+          </p:cNvPr>
+          <p:cNvPicPr>
+            <a:picLocks noChangeAspect="1"/>
+          </p:cNvPicPr>
+          <p:nvPr/>
+        </p:nvPicPr>
+        <p:blipFill>
+          <a:blip r:embed="rId22"/>
+          <a:stretch>
+            <a:fillRect/>
+          </a:stretch>
+        </p:blipFill>
+        <p:spPr>
+          <a:xfrm>
+            <a:off x="8724113" y="2225193"/>
+            <a:ext cx="2551786" cy="1606200"/>
+          </a:xfrm>
+          <a:prstGeom prst="rect">
+            <a:avLst/>
+          </a:prstGeom>
+        </p:spPr>
+      </p:pic>
+      <p:pic>
+        <p:nvPicPr>
+          <p:cNvPr id="47" name="Picture 46">
+            <a:extLst>
+              <a:ext uri="{FF2B5EF4-FFF2-40B4-BE49-F238E27FC236}">
+                <a16:creationId xmlns:a16="http://schemas.microsoft.com/office/drawing/2014/main" id="{81B7F641-BF18-4721-B0EB-00E33D6DAC67}"/>
+              </a:ext>
+            </a:extLst>
+          </p:cNvPr>
+          <p:cNvPicPr>
+            <a:picLocks noChangeAspect="1"/>
+          </p:cNvPicPr>
+          <p:nvPr/>
+        </p:nvPicPr>
+        <p:blipFill>
+          <a:blip r:embed="rId23"/>
+          <a:stretch>
+            <a:fillRect/>
+          </a:stretch>
+        </p:blipFill>
+        <p:spPr>
+          <a:xfrm>
+            <a:off x="9089698" y="2358063"/>
+            <a:ext cx="1820616" cy="427618"/>
+          </a:xfrm>
+          <a:prstGeom prst="rect">
+            <a:avLst/>
+          </a:prstGeom>
+        </p:spPr>
+      </p:pic>
+      <p:pic>
+        <p:nvPicPr>
+          <p:cNvPr id="49" name="Picture 48">
+            <a:extLst>
+              <a:ext uri="{FF2B5EF4-FFF2-40B4-BE49-F238E27FC236}">
+                <a16:creationId xmlns:a16="http://schemas.microsoft.com/office/drawing/2014/main" id="{7D2EE61B-4AF7-485D-B983-94DAD33A8153}"/>
+              </a:ext>
+            </a:extLst>
+          </p:cNvPr>
+          <p:cNvPicPr>
+            <a:picLocks noChangeAspect="1"/>
+          </p:cNvPicPr>
+          <p:nvPr/>
+        </p:nvPicPr>
+        <p:blipFill>
+          <a:blip r:embed="rId24"/>
+          <a:stretch>
+            <a:fillRect/>
+          </a:stretch>
+        </p:blipFill>
+        <p:spPr>
+          <a:xfrm>
+            <a:off x="8724113" y="3892097"/>
+            <a:ext cx="2551784" cy="1606199"/>
+          </a:xfrm>
+          <a:prstGeom prst="rect">
+            <a:avLst/>
+          </a:prstGeom>
+        </p:spPr>
+      </p:pic>
+      <p:pic>
+        <p:nvPicPr>
+          <p:cNvPr id="51" name="Picture 50">
+            <a:extLst>
+              <a:ext uri="{FF2B5EF4-FFF2-40B4-BE49-F238E27FC236}">
+                <a16:creationId xmlns:a16="http://schemas.microsoft.com/office/drawing/2014/main" id="{15CC09B1-67C5-47A7-AD8F-66EC7F1E8378}"/>
+              </a:ext>
+            </a:extLst>
+          </p:cNvPr>
+          <p:cNvPicPr>
+            <a:picLocks noChangeAspect="1"/>
+          </p:cNvPicPr>
+          <p:nvPr/>
+        </p:nvPicPr>
+        <p:blipFill>
+          <a:blip r:embed="rId25"/>
+          <a:stretch>
+            <a:fillRect/>
+          </a:stretch>
+        </p:blipFill>
+        <p:spPr>
+          <a:xfrm>
+            <a:off x="9089698" y="3965257"/>
+            <a:ext cx="1744185" cy="388991"/>
+          </a:xfrm>
+          <a:prstGeom prst="rect">
+            <a:avLst/>
+          </a:prstGeom>
+        </p:spPr>
+      </p:pic>
+    </p:spTree>
+    <p:extLst>
+      <p:ext uri="{BB962C8B-B14F-4D97-AF65-F5344CB8AC3E}">
+        <p14:creationId xmlns:p14="http://schemas.microsoft.com/office/powerpoint/2010/main" val="2460550103"/>
+      </p:ext>
+    </p:extLst>
+  </p:cSld>
+  <p:clrMapOvr>
+    <a:masterClrMapping/>
+  </p:clrMapOvr>
+</p:sld>
+</file>
+
+<file path=ppt/slides/slide8.xml><?xml version="1.0" encoding="utf-8"?>
+<p:sld xmlns:a="http://schemas.openxmlformats.org/drawingml/2006/main" xmlns:r="http://schemas.openxmlformats.org/officeDocument/2006/relationships" xmlns:p="http://schemas.openxmlformats.org/presentationml/2006/main">
+  <p:cSld>
+    <p:spTree>
+      <p:nvGrpSpPr>
+        <p:cNvPr id="1" name=""/>
+        <p:cNvGrpSpPr/>
+        <p:nvPr/>
+      </p:nvGrpSpPr>
+      <p:grpSpPr>
+        <a:xfrm>
+          <a:off x="0" y="0"/>
+          <a:ext cx="0" cy="0"/>
+          <a:chOff x="0" y="0"/>
+          <a:chExt cx="0" cy="0"/>
+        </a:xfrm>
+      </p:grpSpPr>
+      <p:sp>
+        <p:nvSpPr>
+          <p:cNvPr id="2" name="Title 1">
+            <a:extLst>
+              <a:ext uri="{FF2B5EF4-FFF2-40B4-BE49-F238E27FC236}">
+                <a16:creationId xmlns:a16="http://schemas.microsoft.com/office/drawing/2014/main" id="{C4F22660-E914-4774-AD82-A7AEE6B6BD36}"/>
+              </a:ext>
+            </a:extLst>
+          </p:cNvPr>
+          <p:cNvSpPr>
+            <a:spLocks noGrp="1"/>
+          </p:cNvSpPr>
+          <p:nvPr>
+            <p:ph type="title"/>
+          </p:nvPr>
+        </p:nvSpPr>
+        <p:spPr>
+          <a:xfrm>
+            <a:off x="0" y="0"/>
+            <a:ext cx="8029003" cy="694678"/>
+          </a:xfrm>
+        </p:spPr>
+        <p:txBody>
+          <a:bodyPr/>
+          <a:lstStyle/>
+          <a:p>
+            <a:r>
+              <a:rPr lang="en-US" dirty="0"/>
+              <a:t>7/22/2021 Results </a:t>
+            </a:r>
+            <a:r>
+              <a:rPr lang="en-US" dirty="0" err="1"/>
+              <a:t>cont</a:t>
+            </a:r>
+            <a:endParaRPr lang="en-US" dirty="0"/>
+          </a:p>
+        </p:txBody>
+      </p:sp>
+      <p:sp>
+        <p:nvSpPr>
+          <p:cNvPr id="3" name="Content Placeholder 2">
+            <a:extLst>
+              <a:ext uri="{FF2B5EF4-FFF2-40B4-BE49-F238E27FC236}">
+                <a16:creationId xmlns:a16="http://schemas.microsoft.com/office/drawing/2014/main" id="{5549ECBA-44B9-496D-8B25-5FBEE7BFC883}"/>
+              </a:ext>
+            </a:extLst>
+          </p:cNvPr>
+          <p:cNvSpPr>
+            <a:spLocks noGrp="1"/>
+          </p:cNvSpPr>
+          <p:nvPr>
+            <p:ph idx="1"/>
+          </p:nvPr>
+        </p:nvSpPr>
+        <p:spPr>
+          <a:xfrm>
+            <a:off x="0" y="2659982"/>
+            <a:ext cx="9060023" cy="1277535"/>
+          </a:xfrm>
+        </p:spPr>
+        <p:txBody>
+          <a:bodyPr>
+            <a:normAutofit fontScale="92500" lnSpcReduction="10000"/>
+          </a:bodyPr>
+          <a:lstStyle/>
+          <a:p>
+            <a:r>
+              <a:rPr lang="en-US" dirty="0"/>
+              <a:t>The new logic has shown a massive improvement in time needed for wins to become more popular</a:t>
+            </a:r>
+          </a:p>
+          <a:p>
+            <a:r>
+              <a:rPr lang="en-US" dirty="0"/>
+              <a:t>In addition to this the heavy penalties seem to greatly effect the outcomes, the next slide will be testing the different penalty weights</a:t>
+            </a:r>
+          </a:p>
+        </p:txBody>
+      </p:sp>
+      <p:pic>
+        <p:nvPicPr>
+          <p:cNvPr id="5" name="Picture 4">
+            <a:extLst>
+              <a:ext uri="{FF2B5EF4-FFF2-40B4-BE49-F238E27FC236}">
+                <a16:creationId xmlns:a16="http://schemas.microsoft.com/office/drawing/2014/main" id="{C3A7D407-D225-42EE-ABF9-07F882FC3663}"/>
+              </a:ext>
+            </a:extLst>
+          </p:cNvPr>
+          <p:cNvPicPr>
+            <a:picLocks noChangeAspect="1"/>
+          </p:cNvPicPr>
+          <p:nvPr/>
+        </p:nvPicPr>
+        <p:blipFill>
+          <a:blip r:embed="rId2"/>
+          <a:stretch>
+            <a:fillRect/>
+          </a:stretch>
+        </p:blipFill>
+        <p:spPr>
+          <a:xfrm>
+            <a:off x="0" y="603450"/>
+            <a:ext cx="2845837" cy="1852408"/>
+          </a:xfrm>
+          <a:prstGeom prst="rect">
+            <a:avLst/>
+          </a:prstGeom>
+        </p:spPr>
+      </p:pic>
+      <p:pic>
+        <p:nvPicPr>
+          <p:cNvPr id="7" name="Picture 6">
+            <a:extLst>
+              <a:ext uri="{FF2B5EF4-FFF2-40B4-BE49-F238E27FC236}">
+                <a16:creationId xmlns:a16="http://schemas.microsoft.com/office/drawing/2014/main" id="{A57C451D-CEFF-4CDA-8F6D-6D627B28FBBD}"/>
+              </a:ext>
+            </a:extLst>
+          </p:cNvPr>
+          <p:cNvPicPr>
+            <a:picLocks noChangeAspect="1"/>
+          </p:cNvPicPr>
+          <p:nvPr/>
+        </p:nvPicPr>
+        <p:blipFill>
+          <a:blip r:embed="rId3"/>
+          <a:stretch>
+            <a:fillRect/>
+          </a:stretch>
+        </p:blipFill>
+        <p:spPr>
+          <a:xfrm>
+            <a:off x="301884" y="690372"/>
+            <a:ext cx="1956124" cy="430894"/>
+          </a:xfrm>
+          <a:prstGeom prst="rect">
+            <a:avLst/>
+          </a:prstGeom>
+        </p:spPr>
+      </p:pic>
+      <p:pic>
+        <p:nvPicPr>
+          <p:cNvPr id="9" name="Picture 8">
+            <a:extLst>
+              <a:ext uri="{FF2B5EF4-FFF2-40B4-BE49-F238E27FC236}">
+                <a16:creationId xmlns:a16="http://schemas.microsoft.com/office/drawing/2014/main" id="{93AFB533-EB73-4F83-A229-D55961DB0967}"/>
+              </a:ext>
+            </a:extLst>
+          </p:cNvPr>
+          <p:cNvPicPr>
+            <a:picLocks noChangeAspect="1"/>
+          </p:cNvPicPr>
+          <p:nvPr/>
+        </p:nvPicPr>
+        <p:blipFill>
+          <a:blip r:embed="rId4"/>
+          <a:stretch>
+            <a:fillRect/>
+          </a:stretch>
+        </p:blipFill>
+        <p:spPr>
+          <a:xfrm>
+            <a:off x="2845837" y="603450"/>
+            <a:ext cx="2761861" cy="1819494"/>
+          </a:xfrm>
+          <a:prstGeom prst="rect">
+            <a:avLst/>
+          </a:prstGeom>
+        </p:spPr>
+      </p:pic>
+      <p:pic>
+        <p:nvPicPr>
+          <p:cNvPr id="11" name="Picture 10">
+            <a:extLst>
+              <a:ext uri="{FF2B5EF4-FFF2-40B4-BE49-F238E27FC236}">
+                <a16:creationId xmlns:a16="http://schemas.microsoft.com/office/drawing/2014/main" id="{7BA2EC1D-E74B-42B9-A7E5-F2584FDAD5E6}"/>
+              </a:ext>
+            </a:extLst>
+          </p:cNvPr>
+          <p:cNvPicPr>
+            <a:picLocks noChangeAspect="1"/>
+          </p:cNvPicPr>
+          <p:nvPr/>
+        </p:nvPicPr>
+        <p:blipFill>
+          <a:blip r:embed="rId5"/>
+          <a:stretch>
+            <a:fillRect/>
+          </a:stretch>
+        </p:blipFill>
+        <p:spPr>
+          <a:xfrm>
+            <a:off x="3172068" y="708135"/>
+            <a:ext cx="2109399" cy="461195"/>
+          </a:xfrm>
+          <a:prstGeom prst="rect">
+            <a:avLst/>
+          </a:prstGeom>
+        </p:spPr>
+      </p:pic>
+      <p:pic>
+        <p:nvPicPr>
+          <p:cNvPr id="13" name="Picture 12">
+            <a:extLst>
+              <a:ext uri="{FF2B5EF4-FFF2-40B4-BE49-F238E27FC236}">
+                <a16:creationId xmlns:a16="http://schemas.microsoft.com/office/drawing/2014/main" id="{6B663F6F-4D3F-4B74-87CF-E379C32CCA54}"/>
+              </a:ext>
+            </a:extLst>
+          </p:cNvPr>
+          <p:cNvPicPr>
+            <a:picLocks noChangeAspect="1"/>
+          </p:cNvPicPr>
+          <p:nvPr/>
+        </p:nvPicPr>
+        <p:blipFill>
+          <a:blip r:embed="rId6"/>
+          <a:stretch>
+            <a:fillRect/>
+          </a:stretch>
+        </p:blipFill>
+        <p:spPr>
+          <a:xfrm>
+            <a:off x="5691674" y="603450"/>
+            <a:ext cx="2761861" cy="1826511"/>
+          </a:xfrm>
+          <a:prstGeom prst="rect">
+            <a:avLst/>
+          </a:prstGeom>
+        </p:spPr>
+      </p:pic>
+      <p:pic>
+        <p:nvPicPr>
+          <p:cNvPr id="15" name="Picture 14">
+            <a:extLst>
+              <a:ext uri="{FF2B5EF4-FFF2-40B4-BE49-F238E27FC236}">
+                <a16:creationId xmlns:a16="http://schemas.microsoft.com/office/drawing/2014/main" id="{1FA445F2-DFA2-4DA3-9F6D-AE1D9B4197B7}"/>
+              </a:ext>
+            </a:extLst>
+          </p:cNvPr>
+          <p:cNvPicPr>
+            <a:picLocks noChangeAspect="1"/>
+          </p:cNvPicPr>
+          <p:nvPr/>
+        </p:nvPicPr>
+        <p:blipFill>
+          <a:blip r:embed="rId7"/>
+          <a:stretch>
+            <a:fillRect/>
+          </a:stretch>
+        </p:blipFill>
+        <p:spPr>
+          <a:xfrm>
+            <a:off x="5933929" y="366412"/>
+            <a:ext cx="2187858" cy="489701"/>
+          </a:xfrm>
+          <a:prstGeom prst="rect">
+            <a:avLst/>
+          </a:prstGeom>
+        </p:spPr>
+      </p:pic>
+      <p:pic>
+        <p:nvPicPr>
+          <p:cNvPr id="19" name="Picture 18">
+            <a:extLst>
+              <a:ext uri="{FF2B5EF4-FFF2-40B4-BE49-F238E27FC236}">
+                <a16:creationId xmlns:a16="http://schemas.microsoft.com/office/drawing/2014/main" id="{D03B9A3F-3E5D-47C3-B61A-1A512AF5399B}"/>
+              </a:ext>
+            </a:extLst>
+          </p:cNvPr>
+          <p:cNvPicPr>
+            <a:picLocks noChangeAspect="1"/>
+          </p:cNvPicPr>
+          <p:nvPr/>
+        </p:nvPicPr>
+        <p:blipFill>
+          <a:blip r:embed="rId8"/>
+          <a:stretch>
+            <a:fillRect/>
+          </a:stretch>
+        </p:blipFill>
+        <p:spPr>
+          <a:xfrm>
+            <a:off x="8537511" y="596434"/>
+            <a:ext cx="2761860" cy="1826510"/>
+          </a:xfrm>
+          <a:prstGeom prst="rect">
+            <a:avLst/>
+          </a:prstGeom>
+        </p:spPr>
+      </p:pic>
+      <p:pic>
+        <p:nvPicPr>
+          <p:cNvPr id="21" name="Picture 20">
+            <a:extLst>
+              <a:ext uri="{FF2B5EF4-FFF2-40B4-BE49-F238E27FC236}">
+                <a16:creationId xmlns:a16="http://schemas.microsoft.com/office/drawing/2014/main" id="{2B580809-0E3D-46D0-907C-52972F4D41E4}"/>
+              </a:ext>
+            </a:extLst>
+          </p:cNvPr>
+          <p:cNvPicPr>
+            <a:picLocks noChangeAspect="1"/>
+          </p:cNvPicPr>
+          <p:nvPr/>
+        </p:nvPicPr>
+        <p:blipFill>
+          <a:blip r:embed="rId9"/>
+          <a:stretch>
+            <a:fillRect/>
+          </a:stretch>
+        </p:blipFill>
+        <p:spPr>
+          <a:xfrm>
+            <a:off x="8869259" y="166641"/>
+            <a:ext cx="2314081" cy="544012"/>
+          </a:xfrm>
+          <a:prstGeom prst="rect">
+            <a:avLst/>
+          </a:prstGeom>
+        </p:spPr>
+      </p:pic>
+    </p:spTree>
+    <p:extLst>
+      <p:ext uri="{BB962C8B-B14F-4D97-AF65-F5344CB8AC3E}">
+        <p14:creationId xmlns:p14="http://schemas.microsoft.com/office/powerpoint/2010/main" val="4072211188"/>
+      </p:ext>
+    </p:extLst>
+  </p:cSld>
+  <p:clrMapOvr>
+    <a:masterClrMapping/>
+  </p:clrMapOvr>
+</p:sld>
+</file>
+
+<file path=ppt/slides/slide9.xml><?xml version="1.0" encoding="utf-8"?>
+<p:sld xmlns:a="http://schemas.openxmlformats.org/drawingml/2006/main" xmlns:r="http://schemas.openxmlformats.org/officeDocument/2006/relationships" xmlns:p="http://schemas.openxmlformats.org/presentationml/2006/main">
+  <p:cSld>
+    <p:spTree>
+      <p:nvGrpSpPr>
+        <p:cNvPr id="1" name=""/>
+        <p:cNvGrpSpPr/>
+        <p:nvPr/>
+      </p:nvGrpSpPr>
+      <p:grpSpPr>
+        <a:xfrm>
+          <a:off x="0" y="0"/>
+          <a:ext cx="0" cy="0"/>
+          <a:chOff x="0" y="0"/>
+          <a:chExt cx="0" cy="0"/>
+        </a:xfrm>
+      </p:grpSpPr>
+      <p:sp>
+        <p:nvSpPr>
+          <p:cNvPr id="2" name="Title 1">
+            <a:extLst>
+              <a:ext uri="{FF2B5EF4-FFF2-40B4-BE49-F238E27FC236}">
+                <a16:creationId xmlns:a16="http://schemas.microsoft.com/office/drawing/2014/main" id="{40152259-870F-47CB-B46C-9B1DA9A9D0EF}"/>
+              </a:ext>
+            </a:extLst>
+          </p:cNvPr>
+          <p:cNvSpPr>
+            <a:spLocks noGrp="1"/>
+          </p:cNvSpPr>
+          <p:nvPr>
+            <p:ph type="title"/>
+          </p:nvPr>
+        </p:nvSpPr>
+        <p:spPr>
+          <a:xfrm>
+            <a:off x="0" y="0"/>
+            <a:ext cx="8526153" cy="614779"/>
+          </a:xfrm>
+        </p:spPr>
+        <p:txBody>
+          <a:bodyPr/>
+          <a:lstStyle/>
+          <a:p>
+            <a:r>
+              <a:rPr lang="en-US" dirty="0"/>
+              <a:t>7/22/2021 Results </a:t>
+            </a:r>
+            <a:r>
+              <a:rPr lang="en-US" dirty="0" err="1"/>
+              <a:t>cont</a:t>
+            </a:r>
+            <a:endParaRPr lang="en-US" dirty="0"/>
+          </a:p>
+        </p:txBody>
+      </p:sp>
+      <p:sp>
+        <p:nvSpPr>
+          <p:cNvPr id="3" name="Content Placeholder 2">
+            <a:extLst>
+              <a:ext uri="{FF2B5EF4-FFF2-40B4-BE49-F238E27FC236}">
+                <a16:creationId xmlns:a16="http://schemas.microsoft.com/office/drawing/2014/main" id="{D5449A94-A4CB-4459-9095-15CFE526EA60}"/>
+              </a:ext>
+            </a:extLst>
+          </p:cNvPr>
+          <p:cNvSpPr>
+            <a:spLocks noGrp="1"/>
+          </p:cNvSpPr>
+          <p:nvPr>
+            <p:ph idx="1"/>
+          </p:nvPr>
+        </p:nvSpPr>
+        <p:spPr/>
+        <p:txBody>
+          <a:bodyPr/>
+          <a:lstStyle/>
+          <a:p>
+            <a:endParaRPr lang="en-US"/>
+          </a:p>
+        </p:txBody>
+      </p:sp>
+    </p:spTree>
+    <p:extLst>
+      <p:ext uri="{BB962C8B-B14F-4D97-AF65-F5344CB8AC3E}">
+        <p14:creationId xmlns:p14="http://schemas.microsoft.com/office/powerpoint/2010/main" val="3267863509"/>
+      </p:ext>
+    </p:extLst>
+  </p:cSld>
+  <p:clrMapOvr>
+    <a:masterClrMapping/>
+  </p:clrMapOvr>
+</p:sld>
+</file>
+
 <file path=ppt/theme/theme1.xml><?xml version="1.0" encoding="utf-8"?>
 <a:theme xmlns:a="http://schemas.openxmlformats.org/drawingml/2006/main" name="Mesh">
   <a:themeElements>

--- a/Reinforcement Learning/experiments.pptx
+++ b/Reinforcement Learning/experiments.pptx
@@ -14,6 +14,7 @@
     <p:sldId id="262" r:id="rId8"/>
     <p:sldId id="263" r:id="rId9"/>
     <p:sldId id="264" r:id="rId10"/>
+    <p:sldId id="265" r:id="rId11"/>
   </p:sldIdLst>
   <p:sldSz cx="12192000" cy="6858000"/>
   <p:notesSz cx="6858000" cy="9144000"/>
@@ -333,7 +334,7 @@
           <a:p>
             <a:fld id="{81B8F32D-D8B6-4B9E-9CBF-DCAC30B7B93D}" type="datetimeFigureOut">
               <a:rPr lang="en-US" smtClean="0"/>
-              <a:t>7/22/2021</a:t>
+              <a:t>7/23/2021</a:t>
             </a:fld>
             <a:endParaRPr lang="en-US"/>
           </a:p>
@@ -625,7 +626,7 @@
             <a:fld id="{81B8F32D-D8B6-4B9E-9CBF-DCAC30B7B93D}" type="datetimeFigureOut">
               <a:rPr lang="en-US" smtClean="0"/>
               <a:pPr/>
-              <a:t>7/22/2021</a:t>
+              <a:t>7/23/2021</a:t>
             </a:fld>
             <a:endParaRPr lang="en-US" dirty="0"/>
           </a:p>
@@ -886,7 +887,7 @@
             <a:fld id="{81B8F32D-D8B6-4B9E-9CBF-DCAC30B7B93D}" type="datetimeFigureOut">
               <a:rPr lang="en-US" smtClean="0"/>
               <a:pPr/>
-              <a:t>7/22/2021</a:t>
+              <a:t>7/23/2021</a:t>
             </a:fld>
             <a:endParaRPr lang="en-US" dirty="0"/>
           </a:p>
@@ -1357,7 +1358,7 @@
             <a:fld id="{81B8F32D-D8B6-4B9E-9CBF-DCAC30B7B93D}" type="datetimeFigureOut">
               <a:rPr lang="en-US" smtClean="0"/>
               <a:pPr/>
-              <a:t>7/22/2021</a:t>
+              <a:t>7/23/2021</a:t>
             </a:fld>
             <a:endParaRPr lang="en-US" dirty="0"/>
           </a:p>
@@ -1539,7 +1540,7 @@
             <a:fld id="{81B8F32D-D8B6-4B9E-9CBF-DCAC30B7B93D}" type="datetimeFigureOut">
               <a:rPr lang="en-US" smtClean="0"/>
               <a:pPr/>
-              <a:t>7/22/2021</a:t>
+              <a:t>7/23/2021</a:t>
             </a:fld>
             <a:endParaRPr lang="en-US" dirty="0"/>
           </a:p>
@@ -2117,7 +2118,7 @@
             <a:fld id="{81B8F32D-D8B6-4B9E-9CBF-DCAC30B7B93D}" type="datetimeFigureOut">
               <a:rPr lang="en-US" smtClean="0"/>
               <a:pPr/>
-              <a:t>7/22/2021</a:t>
+              <a:t>7/23/2021</a:t>
             </a:fld>
             <a:endParaRPr lang="en-US" dirty="0"/>
           </a:p>
@@ -2451,7 +2452,7 @@
             <a:fld id="{81B8F32D-D8B6-4B9E-9CBF-DCAC30B7B93D}" type="datetimeFigureOut">
               <a:rPr lang="en-US" smtClean="0"/>
               <a:pPr/>
-              <a:t>7/22/2021</a:t>
+              <a:t>7/23/2021</a:t>
             </a:fld>
             <a:endParaRPr lang="en-US" dirty="0"/>
           </a:p>
@@ -2627,7 +2628,7 @@
           <a:p>
             <a:fld id="{81B8F32D-D8B6-4B9E-9CBF-DCAC30B7B93D}" type="datetimeFigureOut">
               <a:rPr lang="en-US" smtClean="0"/>
-              <a:t>7/22/2021</a:t>
+              <a:t>7/23/2021</a:t>
             </a:fld>
             <a:endParaRPr lang="en-US"/>
           </a:p>
@@ -2807,7 +2808,7 @@
           <a:p>
             <a:fld id="{81B8F32D-D8B6-4B9E-9CBF-DCAC30B7B93D}" type="datetimeFigureOut">
               <a:rPr lang="en-US" smtClean="0"/>
-              <a:t>7/22/2021</a:t>
+              <a:t>7/23/2021</a:t>
             </a:fld>
             <a:endParaRPr lang="en-US"/>
           </a:p>
@@ -2977,7 +2978,7 @@
           <a:p>
             <a:fld id="{81B8F32D-D8B6-4B9E-9CBF-DCAC30B7B93D}" type="datetimeFigureOut">
               <a:rPr lang="en-US" smtClean="0"/>
-              <a:t>7/22/2021</a:t>
+              <a:t>7/23/2021</a:t>
             </a:fld>
             <a:endParaRPr lang="en-US"/>
           </a:p>
@@ -3234,7 +3235,7 @@
           <a:p>
             <a:fld id="{81B8F32D-D8B6-4B9E-9CBF-DCAC30B7B93D}" type="datetimeFigureOut">
               <a:rPr lang="en-US" smtClean="0"/>
-              <a:t>7/22/2021</a:t>
+              <a:t>7/23/2021</a:t>
             </a:fld>
             <a:endParaRPr lang="en-US"/>
           </a:p>
@@ -3526,7 +3527,7 @@
           <a:p>
             <a:fld id="{81B8F32D-D8B6-4B9E-9CBF-DCAC30B7B93D}" type="datetimeFigureOut">
               <a:rPr lang="en-US" smtClean="0"/>
-              <a:t>7/22/2021</a:t>
+              <a:t>7/23/2021</a:t>
             </a:fld>
             <a:endParaRPr lang="en-US"/>
           </a:p>
@@ -3956,7 +3957,7 @@
           <a:p>
             <a:fld id="{81B8F32D-D8B6-4B9E-9CBF-DCAC30B7B93D}" type="datetimeFigureOut">
               <a:rPr lang="en-US" smtClean="0"/>
-              <a:t>7/22/2021</a:t>
+              <a:t>7/23/2021</a:t>
             </a:fld>
             <a:endParaRPr lang="en-US"/>
           </a:p>
@@ -4074,7 +4075,7 @@
           <a:p>
             <a:fld id="{81B8F32D-D8B6-4B9E-9CBF-DCAC30B7B93D}" type="datetimeFigureOut">
               <a:rPr lang="en-US" smtClean="0"/>
-              <a:t>7/22/2021</a:t>
+              <a:t>7/23/2021</a:t>
             </a:fld>
             <a:endParaRPr lang="en-US"/>
           </a:p>
@@ -4169,7 +4170,7 @@
           <a:p>
             <a:fld id="{81B8F32D-D8B6-4B9E-9CBF-DCAC30B7B93D}" type="datetimeFigureOut">
               <a:rPr lang="en-US" smtClean="0"/>
-              <a:t>7/22/2021</a:t>
+              <a:t>7/23/2021</a:t>
             </a:fld>
             <a:endParaRPr lang="en-US"/>
           </a:p>
@@ -4452,7 +4453,7 @@
           <a:p>
             <a:fld id="{81B8F32D-D8B6-4B9E-9CBF-DCAC30B7B93D}" type="datetimeFigureOut">
               <a:rPr lang="en-US" smtClean="0"/>
-              <a:t>7/22/2021</a:t>
+              <a:t>7/23/2021</a:t>
             </a:fld>
             <a:endParaRPr lang="en-US"/>
           </a:p>
@@ -4743,7 +4744,7 @@
           <a:p>
             <a:fld id="{81B8F32D-D8B6-4B9E-9CBF-DCAC30B7B93D}" type="datetimeFigureOut">
               <a:rPr lang="en-US" smtClean="0"/>
-              <a:t>7/22/2021</a:t>
+              <a:t>7/23/2021</a:t>
             </a:fld>
             <a:endParaRPr lang="en-US"/>
           </a:p>
@@ -4975,7 +4976,7 @@
             <a:fld id="{81B8F32D-D8B6-4B9E-9CBF-DCAC30B7B93D}" type="datetimeFigureOut">
               <a:rPr lang="en-US" smtClean="0"/>
               <a:pPr/>
-              <a:t>7/22/2021</a:t>
+              <a:t>7/23/2021</a:t>
             </a:fld>
             <a:endParaRPr lang="en-US" dirty="0"/>
           </a:p>
@@ -5870,6 +5871,361 @@
 </p:sld>
 </file>
 
+<file path=ppt/slides/slide10.xml><?xml version="1.0" encoding="utf-8"?>
+<p:sld xmlns:a="http://schemas.openxmlformats.org/drawingml/2006/main" xmlns:r="http://schemas.openxmlformats.org/officeDocument/2006/relationships" xmlns:p="http://schemas.openxmlformats.org/presentationml/2006/main">
+  <p:cSld>
+    <p:spTree>
+      <p:nvGrpSpPr>
+        <p:cNvPr id="1" name=""/>
+        <p:cNvGrpSpPr/>
+        <p:nvPr/>
+      </p:nvGrpSpPr>
+      <p:grpSpPr>
+        <a:xfrm>
+          <a:off x="0" y="0"/>
+          <a:ext cx="0" cy="0"/>
+          <a:chOff x="0" y="0"/>
+          <a:chExt cx="0" cy="0"/>
+        </a:xfrm>
+      </p:grpSpPr>
+      <p:sp>
+        <p:nvSpPr>
+          <p:cNvPr id="2" name="Title 1">
+            <a:extLst>
+              <a:ext uri="{FF2B5EF4-FFF2-40B4-BE49-F238E27FC236}">
+                <a16:creationId xmlns:a16="http://schemas.microsoft.com/office/drawing/2014/main" id="{8B629E52-F58E-4866-B606-E56034B447B1}"/>
+              </a:ext>
+            </a:extLst>
+          </p:cNvPr>
+          <p:cNvSpPr>
+            <a:spLocks noGrp="1"/>
+          </p:cNvSpPr>
+          <p:nvPr>
+            <p:ph type="title"/>
+          </p:nvPr>
+        </p:nvSpPr>
+        <p:spPr>
+          <a:xfrm>
+            <a:off x="0" y="0"/>
+            <a:ext cx="7611753" cy="534880"/>
+          </a:xfrm>
+        </p:spPr>
+        <p:txBody>
+          <a:bodyPr>
+            <a:normAutofit fontScale="90000"/>
+          </a:bodyPr>
+          <a:lstStyle/>
+          <a:p>
+            <a:r>
+              <a:rPr lang="en-US" dirty="0"/>
+              <a:t>7/23/21 Results </a:t>
+            </a:r>
+            <a:r>
+              <a:rPr lang="en-US" dirty="0" err="1"/>
+              <a:t>Cont</a:t>
+            </a:r>
+            <a:endParaRPr lang="en-US" dirty="0"/>
+          </a:p>
+        </p:txBody>
+      </p:sp>
+      <p:sp>
+        <p:nvSpPr>
+          <p:cNvPr id="3" name="Content Placeholder 2">
+            <a:extLst>
+              <a:ext uri="{FF2B5EF4-FFF2-40B4-BE49-F238E27FC236}">
+                <a16:creationId xmlns:a16="http://schemas.microsoft.com/office/drawing/2014/main" id="{D54E0F13-D0B3-40D3-8D36-3E60D37DE4A2}"/>
+              </a:ext>
+            </a:extLst>
+          </p:cNvPr>
+          <p:cNvSpPr>
+            <a:spLocks noGrp="1"/>
+          </p:cNvSpPr>
+          <p:nvPr>
+            <p:ph idx="1"/>
+          </p:nvPr>
+        </p:nvSpPr>
+        <p:spPr>
+          <a:xfrm>
+            <a:off x="5095903" y="-1"/>
+            <a:ext cx="6800627" cy="4344453"/>
+          </a:xfrm>
+        </p:spPr>
+        <p:txBody>
+          <a:bodyPr/>
+          <a:lstStyle/>
+          <a:p>
+            <a:r>
+              <a:rPr lang="en-US" dirty="0"/>
+              <a:t>The variables that showed to have the greatest effects was not the chance of an action happening but the penalty and rewards for said actions</a:t>
+            </a:r>
+          </a:p>
+          <a:p>
+            <a:r>
+              <a:rPr lang="en-US" dirty="0"/>
+              <a:t>The code runs as (chance of action ) then it goes through block lists and decides to move said block or do nothing with it. </a:t>
+            </a:r>
+          </a:p>
+          <a:p>
+            <a:r>
+              <a:rPr lang="en-US" dirty="0"/>
+              <a:t>It seems that the model is most effected by being penalized for moving a block it shouldn’t have rather than be rewarded for moving a block it should have</a:t>
+            </a:r>
+          </a:p>
+        </p:txBody>
+      </p:sp>
+      <p:pic>
+        <p:nvPicPr>
+          <p:cNvPr id="5" name="Picture 4">
+            <a:extLst>
+              <a:ext uri="{FF2B5EF4-FFF2-40B4-BE49-F238E27FC236}">
+                <a16:creationId xmlns:a16="http://schemas.microsoft.com/office/drawing/2014/main" id="{77A471ED-13C6-4202-AA9F-B218F103630A}"/>
+              </a:ext>
+            </a:extLst>
+          </p:cNvPr>
+          <p:cNvPicPr>
+            <a:picLocks noChangeAspect="1"/>
+          </p:cNvPicPr>
+          <p:nvPr/>
+        </p:nvPicPr>
+        <p:blipFill>
+          <a:blip r:embed="rId2"/>
+          <a:stretch>
+            <a:fillRect/>
+          </a:stretch>
+        </p:blipFill>
+        <p:spPr>
+          <a:xfrm>
+            <a:off x="2" y="534881"/>
+            <a:ext cx="2515847" cy="1830905"/>
+          </a:xfrm>
+          <a:prstGeom prst="rect">
+            <a:avLst/>
+          </a:prstGeom>
+        </p:spPr>
+      </p:pic>
+      <p:pic>
+        <p:nvPicPr>
+          <p:cNvPr id="7" name="Picture 6">
+            <a:extLst>
+              <a:ext uri="{FF2B5EF4-FFF2-40B4-BE49-F238E27FC236}">
+                <a16:creationId xmlns:a16="http://schemas.microsoft.com/office/drawing/2014/main" id="{0D377114-7CAA-491E-BD78-E6AD90A04E9B}"/>
+              </a:ext>
+            </a:extLst>
+          </p:cNvPr>
+          <p:cNvPicPr>
+            <a:picLocks noChangeAspect="1"/>
+          </p:cNvPicPr>
+          <p:nvPr/>
+        </p:nvPicPr>
+        <p:blipFill>
+          <a:blip r:embed="rId3"/>
+          <a:stretch>
+            <a:fillRect/>
+          </a:stretch>
+        </p:blipFill>
+        <p:spPr>
+          <a:xfrm>
+            <a:off x="2515848" y="534881"/>
+            <a:ext cx="2515848" cy="1830906"/>
+          </a:xfrm>
+          <a:prstGeom prst="rect">
+            <a:avLst/>
+          </a:prstGeom>
+        </p:spPr>
+      </p:pic>
+      <p:pic>
+        <p:nvPicPr>
+          <p:cNvPr id="9" name="Picture 8">
+            <a:extLst>
+              <a:ext uri="{FF2B5EF4-FFF2-40B4-BE49-F238E27FC236}">
+                <a16:creationId xmlns:a16="http://schemas.microsoft.com/office/drawing/2014/main" id="{CFBC790A-1EEB-4AB2-B233-19242D4AAEDD}"/>
+              </a:ext>
+            </a:extLst>
+          </p:cNvPr>
+          <p:cNvPicPr>
+            <a:picLocks noChangeAspect="1"/>
+          </p:cNvPicPr>
+          <p:nvPr/>
+        </p:nvPicPr>
+        <p:blipFill>
+          <a:blip r:embed="rId4"/>
+          <a:stretch>
+            <a:fillRect/>
+          </a:stretch>
+        </p:blipFill>
+        <p:spPr>
+          <a:xfrm>
+            <a:off x="-3" y="2513547"/>
+            <a:ext cx="2515849" cy="1830906"/>
+          </a:xfrm>
+          <a:prstGeom prst="rect">
+            <a:avLst/>
+          </a:prstGeom>
+        </p:spPr>
+      </p:pic>
+      <p:pic>
+        <p:nvPicPr>
+          <p:cNvPr id="11" name="Picture 10">
+            <a:extLst>
+              <a:ext uri="{FF2B5EF4-FFF2-40B4-BE49-F238E27FC236}">
+                <a16:creationId xmlns:a16="http://schemas.microsoft.com/office/drawing/2014/main" id="{8B351DD2-D6D1-49B5-8149-69FADFB43004}"/>
+              </a:ext>
+            </a:extLst>
+          </p:cNvPr>
+          <p:cNvPicPr>
+            <a:picLocks noChangeAspect="1"/>
+          </p:cNvPicPr>
+          <p:nvPr/>
+        </p:nvPicPr>
+        <p:blipFill>
+          <a:blip r:embed="rId5"/>
+          <a:stretch>
+            <a:fillRect/>
+          </a:stretch>
+        </p:blipFill>
+        <p:spPr>
+          <a:xfrm>
+            <a:off x="2515845" y="2520681"/>
+            <a:ext cx="2515847" cy="1816638"/>
+          </a:xfrm>
+          <a:prstGeom prst="rect">
+            <a:avLst/>
+          </a:prstGeom>
+        </p:spPr>
+      </p:pic>
+      <p:pic>
+        <p:nvPicPr>
+          <p:cNvPr id="13" name="Picture 12">
+            <a:extLst>
+              <a:ext uri="{FF2B5EF4-FFF2-40B4-BE49-F238E27FC236}">
+                <a16:creationId xmlns:a16="http://schemas.microsoft.com/office/drawing/2014/main" id="{9D1A9E4D-C97B-43AA-A074-032E9A045547}"/>
+              </a:ext>
+            </a:extLst>
+          </p:cNvPr>
+          <p:cNvPicPr>
+            <a:picLocks noChangeAspect="1"/>
+          </p:cNvPicPr>
+          <p:nvPr/>
+        </p:nvPicPr>
+        <p:blipFill>
+          <a:blip r:embed="rId6"/>
+          <a:stretch>
+            <a:fillRect/>
+          </a:stretch>
+        </p:blipFill>
+        <p:spPr>
+          <a:xfrm>
+            <a:off x="-3" y="4492213"/>
+            <a:ext cx="2506046" cy="1823772"/>
+          </a:xfrm>
+          <a:prstGeom prst="rect">
+            <a:avLst/>
+          </a:prstGeom>
+        </p:spPr>
+      </p:pic>
+      <p:pic>
+        <p:nvPicPr>
+          <p:cNvPr id="15" name="Picture 14">
+            <a:extLst>
+              <a:ext uri="{FF2B5EF4-FFF2-40B4-BE49-F238E27FC236}">
+                <a16:creationId xmlns:a16="http://schemas.microsoft.com/office/drawing/2014/main" id="{5B699A5B-5108-469F-8055-8235E251742E}"/>
+              </a:ext>
+            </a:extLst>
+          </p:cNvPr>
+          <p:cNvPicPr>
+            <a:picLocks noChangeAspect="1"/>
+          </p:cNvPicPr>
+          <p:nvPr/>
+        </p:nvPicPr>
+        <p:blipFill>
+          <a:blip r:embed="rId7"/>
+          <a:stretch>
+            <a:fillRect/>
+          </a:stretch>
+        </p:blipFill>
+        <p:spPr>
+          <a:xfrm>
+            <a:off x="2515845" y="4485079"/>
+            <a:ext cx="2581709" cy="1830906"/>
+          </a:xfrm>
+          <a:prstGeom prst="rect">
+            <a:avLst/>
+          </a:prstGeom>
+        </p:spPr>
+      </p:pic>
+      <p:pic>
+        <p:nvPicPr>
+          <p:cNvPr id="17" name="Picture 16">
+            <a:extLst>
+              <a:ext uri="{FF2B5EF4-FFF2-40B4-BE49-F238E27FC236}">
+                <a16:creationId xmlns:a16="http://schemas.microsoft.com/office/drawing/2014/main" id="{E564026E-D1A1-4544-B9D7-0693CADDA4BA}"/>
+              </a:ext>
+            </a:extLst>
+          </p:cNvPr>
+          <p:cNvPicPr>
+            <a:picLocks noChangeAspect="1"/>
+          </p:cNvPicPr>
+          <p:nvPr/>
+        </p:nvPicPr>
+        <p:blipFill>
+          <a:blip r:embed="rId8"/>
+          <a:stretch>
+            <a:fillRect/>
+          </a:stretch>
+        </p:blipFill>
+        <p:spPr>
+          <a:xfrm>
+            <a:off x="5095904" y="4485079"/>
+            <a:ext cx="2515849" cy="1830906"/>
+          </a:xfrm>
+          <a:prstGeom prst="rect">
+            <a:avLst/>
+          </a:prstGeom>
+        </p:spPr>
+      </p:pic>
+      <p:pic>
+        <p:nvPicPr>
+          <p:cNvPr id="19" name="Picture 18">
+            <a:extLst>
+              <a:ext uri="{FF2B5EF4-FFF2-40B4-BE49-F238E27FC236}">
+                <a16:creationId xmlns:a16="http://schemas.microsoft.com/office/drawing/2014/main" id="{AC798EFC-BFFE-478D-9902-381044B0D82F}"/>
+              </a:ext>
+            </a:extLst>
+          </p:cNvPr>
+          <p:cNvPicPr>
+            <a:picLocks noChangeAspect="1"/>
+          </p:cNvPicPr>
+          <p:nvPr/>
+        </p:nvPicPr>
+        <p:blipFill>
+          <a:blip r:embed="rId9"/>
+          <a:stretch>
+            <a:fillRect/>
+          </a:stretch>
+        </p:blipFill>
+        <p:spPr>
+          <a:xfrm>
+            <a:off x="7611753" y="4485079"/>
+            <a:ext cx="2515849" cy="1830906"/>
+          </a:xfrm>
+          <a:prstGeom prst="rect">
+            <a:avLst/>
+          </a:prstGeom>
+        </p:spPr>
+      </p:pic>
+    </p:spTree>
+    <p:extLst>
+      <p:ext uri="{BB962C8B-B14F-4D97-AF65-F5344CB8AC3E}">
+        <p14:creationId xmlns:p14="http://schemas.microsoft.com/office/powerpoint/2010/main" val="1390970586"/>
+      </p:ext>
+    </p:extLst>
+  </p:cSld>
+  <p:clrMapOvr>
+    <a:masterClrMapping/>
+  </p:clrMapOvr>
+</p:sld>
+</file>
+
 <file path=ppt/slides/slide2.xml><?xml version="1.0" encoding="utf-8"?>
 <p:sld xmlns:a="http://schemas.openxmlformats.org/drawingml/2006/main" xmlns:r="http://schemas.openxmlformats.org/officeDocument/2006/relationships" xmlns:p="http://schemas.openxmlformats.org/presentationml/2006/main">
   <p:cSld>
@@ -5915,7 +6271,7 @@
           <a:p>
             <a:r>
               <a:rPr lang="en-US" dirty="0"/>
-              <a:t>7/19/2021 results</a:t>
+              <a:t>7/19/2021 results (original RL logic)</a:t>
             </a:r>
           </a:p>
         </p:txBody>
@@ -6337,7 +6693,7 @@
           <a:p>
             <a:r>
               <a:rPr lang="en-US" dirty="0"/>
-              <a:t>7/20/2021 Results</a:t>
+              <a:t>7/20/2021 Results (original RL logic)</a:t>
             </a:r>
           </a:p>
         </p:txBody>
@@ -6780,7 +7136,9 @@
           </a:xfrm>
         </p:spPr>
         <p:txBody>
-          <a:bodyPr/>
+          <a:bodyPr>
+            <a:normAutofit fontScale="90000"/>
+          </a:bodyPr>
           <a:lstStyle/>
           <a:p>
             <a:r>
@@ -6793,7 +7151,7 @@
             </a:r>
             <a:r>
               <a:rPr lang="en-US" dirty="0"/>
-              <a:t>,</a:t>
+              <a:t>, (original RL logic)</a:t>
             </a:r>
           </a:p>
         </p:txBody>
@@ -8776,38 +9134,365 @@
           <a:p>
             <a:r>
               <a:rPr lang="en-US" dirty="0"/>
-              <a:t>7/22/2021 Results </a:t>
+              <a:t>7/23/2021 Results</a:t>
+            </a:r>
+          </a:p>
+        </p:txBody>
+      </p:sp>
+      <p:pic>
+        <p:nvPicPr>
+          <p:cNvPr id="5" name="Content Placeholder 4">
+            <a:extLst>
+              <a:ext uri="{FF2B5EF4-FFF2-40B4-BE49-F238E27FC236}">
+                <a16:creationId xmlns:a16="http://schemas.microsoft.com/office/drawing/2014/main" id="{7BC3678B-5911-42FF-8ED6-C236B6356F07}"/>
+              </a:ext>
+            </a:extLst>
+          </p:cNvPr>
+          <p:cNvPicPr>
+            <a:picLocks noGrp="1" noChangeAspect="1"/>
+          </p:cNvPicPr>
+          <p:nvPr>
+            <p:ph idx="1"/>
+          </p:nvPr>
+        </p:nvPicPr>
+        <p:blipFill>
+          <a:blip r:embed="rId2"/>
+          <a:stretch>
+            <a:fillRect/>
+          </a:stretch>
+        </p:blipFill>
+        <p:spPr>
+          <a:xfrm>
+            <a:off x="0" y="614778"/>
+            <a:ext cx="2724539" cy="1982781"/>
+          </a:xfrm>
+        </p:spPr>
+      </p:pic>
+      <p:pic>
+        <p:nvPicPr>
+          <p:cNvPr id="7" name="Picture 6">
+            <a:extLst>
+              <a:ext uri="{FF2B5EF4-FFF2-40B4-BE49-F238E27FC236}">
+                <a16:creationId xmlns:a16="http://schemas.microsoft.com/office/drawing/2014/main" id="{8DE80399-F147-47A1-9378-8699DFA11E22}"/>
+              </a:ext>
+            </a:extLst>
+          </p:cNvPr>
+          <p:cNvPicPr>
+            <a:picLocks noChangeAspect="1"/>
+          </p:cNvPicPr>
+          <p:nvPr/>
+        </p:nvPicPr>
+        <p:blipFill>
+          <a:blip r:embed="rId3"/>
+          <a:stretch>
+            <a:fillRect/>
+          </a:stretch>
+        </p:blipFill>
+        <p:spPr>
+          <a:xfrm>
+            <a:off x="2724539" y="614778"/>
+            <a:ext cx="2724540" cy="1982781"/>
+          </a:xfrm>
+          <a:prstGeom prst="rect">
+            <a:avLst/>
+          </a:prstGeom>
+        </p:spPr>
+      </p:pic>
+      <p:pic>
+        <p:nvPicPr>
+          <p:cNvPr id="9" name="Picture 8">
+            <a:extLst>
+              <a:ext uri="{FF2B5EF4-FFF2-40B4-BE49-F238E27FC236}">
+                <a16:creationId xmlns:a16="http://schemas.microsoft.com/office/drawing/2014/main" id="{B0356638-EC31-44A2-905D-6EC7B8E4D775}"/>
+              </a:ext>
+            </a:extLst>
+          </p:cNvPr>
+          <p:cNvPicPr>
+            <a:picLocks noChangeAspect="1"/>
+          </p:cNvPicPr>
+          <p:nvPr/>
+        </p:nvPicPr>
+        <p:blipFill>
+          <a:blip r:embed="rId4"/>
+          <a:stretch>
+            <a:fillRect/>
+          </a:stretch>
+        </p:blipFill>
+        <p:spPr>
+          <a:xfrm>
+            <a:off x="-1" y="2737518"/>
+            <a:ext cx="2724539" cy="1982780"/>
+          </a:xfrm>
+          <a:prstGeom prst="rect">
+            <a:avLst/>
+          </a:prstGeom>
+        </p:spPr>
+      </p:pic>
+      <p:pic>
+        <p:nvPicPr>
+          <p:cNvPr id="11" name="Picture 10">
+            <a:extLst>
+              <a:ext uri="{FF2B5EF4-FFF2-40B4-BE49-F238E27FC236}">
+                <a16:creationId xmlns:a16="http://schemas.microsoft.com/office/drawing/2014/main" id="{A5888F0E-D032-45A2-A3B4-F4115E582BF7}"/>
+              </a:ext>
+            </a:extLst>
+          </p:cNvPr>
+          <p:cNvPicPr>
+            <a:picLocks noChangeAspect="1"/>
+          </p:cNvPicPr>
+          <p:nvPr/>
+        </p:nvPicPr>
+        <p:blipFill>
+          <a:blip r:embed="rId5"/>
+          <a:stretch>
+            <a:fillRect/>
+          </a:stretch>
+        </p:blipFill>
+        <p:spPr>
+          <a:xfrm>
+            <a:off x="2724540" y="2737518"/>
+            <a:ext cx="2724539" cy="1982780"/>
+          </a:xfrm>
+          <a:prstGeom prst="rect">
+            <a:avLst/>
+          </a:prstGeom>
+        </p:spPr>
+      </p:pic>
+      <p:pic>
+        <p:nvPicPr>
+          <p:cNvPr id="13" name="Picture 12">
+            <a:extLst>
+              <a:ext uri="{FF2B5EF4-FFF2-40B4-BE49-F238E27FC236}">
+                <a16:creationId xmlns:a16="http://schemas.microsoft.com/office/drawing/2014/main" id="{9D4E535E-59EE-4950-901D-8F6979E27A72}"/>
+              </a:ext>
+            </a:extLst>
+          </p:cNvPr>
+          <p:cNvPicPr>
+            <a:picLocks noChangeAspect="1"/>
+          </p:cNvPicPr>
+          <p:nvPr/>
+        </p:nvPicPr>
+        <p:blipFill>
+          <a:blip r:embed="rId6"/>
+          <a:stretch>
+            <a:fillRect/>
+          </a:stretch>
+        </p:blipFill>
+        <p:spPr>
+          <a:xfrm>
+            <a:off x="0" y="4875221"/>
+            <a:ext cx="2724538" cy="1982779"/>
+          </a:xfrm>
+          <a:prstGeom prst="rect">
+            <a:avLst/>
+          </a:prstGeom>
+        </p:spPr>
+      </p:pic>
+      <p:pic>
+        <p:nvPicPr>
+          <p:cNvPr id="15" name="Picture 14">
+            <a:extLst>
+              <a:ext uri="{FF2B5EF4-FFF2-40B4-BE49-F238E27FC236}">
+                <a16:creationId xmlns:a16="http://schemas.microsoft.com/office/drawing/2014/main" id="{8FFD05C5-AA20-430D-BEA0-21A8EC0B87B9}"/>
+              </a:ext>
+            </a:extLst>
+          </p:cNvPr>
+          <p:cNvPicPr>
+            <a:picLocks noChangeAspect="1"/>
+          </p:cNvPicPr>
+          <p:nvPr/>
+        </p:nvPicPr>
+        <p:blipFill>
+          <a:blip r:embed="rId7"/>
+          <a:stretch>
+            <a:fillRect/>
+          </a:stretch>
+        </p:blipFill>
+        <p:spPr>
+          <a:xfrm>
+            <a:off x="2724538" y="4875221"/>
+            <a:ext cx="2724538" cy="1982780"/>
+          </a:xfrm>
+          <a:prstGeom prst="rect">
+            <a:avLst/>
+          </a:prstGeom>
+        </p:spPr>
+      </p:pic>
+      <p:pic>
+        <p:nvPicPr>
+          <p:cNvPr id="17" name="Picture 16">
+            <a:extLst>
+              <a:ext uri="{FF2B5EF4-FFF2-40B4-BE49-F238E27FC236}">
+                <a16:creationId xmlns:a16="http://schemas.microsoft.com/office/drawing/2014/main" id="{8C6C2F3A-B707-453A-BCC0-C05B468603BB}"/>
+              </a:ext>
+            </a:extLst>
+          </p:cNvPr>
+          <p:cNvPicPr>
+            <a:picLocks noChangeAspect="1"/>
+          </p:cNvPicPr>
+          <p:nvPr/>
+        </p:nvPicPr>
+        <p:blipFill>
+          <a:blip r:embed="rId8"/>
+          <a:stretch>
+            <a:fillRect/>
+          </a:stretch>
+        </p:blipFill>
+        <p:spPr>
+          <a:xfrm>
+            <a:off x="5801614" y="614778"/>
+            <a:ext cx="2724539" cy="1982780"/>
+          </a:xfrm>
+          <a:prstGeom prst="rect">
+            <a:avLst/>
+          </a:prstGeom>
+        </p:spPr>
+      </p:pic>
+      <p:pic>
+        <p:nvPicPr>
+          <p:cNvPr id="19" name="Picture 18">
+            <a:extLst>
+              <a:ext uri="{FF2B5EF4-FFF2-40B4-BE49-F238E27FC236}">
+                <a16:creationId xmlns:a16="http://schemas.microsoft.com/office/drawing/2014/main" id="{8A58ED98-80B3-4494-B6B5-917D7C29F6DB}"/>
+              </a:ext>
+            </a:extLst>
+          </p:cNvPr>
+          <p:cNvPicPr>
+            <a:picLocks noChangeAspect="1"/>
+          </p:cNvPicPr>
+          <p:nvPr/>
+        </p:nvPicPr>
+        <p:blipFill>
+          <a:blip r:embed="rId9"/>
+          <a:stretch>
+            <a:fillRect/>
+          </a:stretch>
+        </p:blipFill>
+        <p:spPr>
+          <a:xfrm>
+            <a:off x="8526153" y="614778"/>
+            <a:ext cx="2724539" cy="1982780"/>
+          </a:xfrm>
+          <a:prstGeom prst="rect">
+            <a:avLst/>
+          </a:prstGeom>
+        </p:spPr>
+      </p:pic>
+      <p:pic>
+        <p:nvPicPr>
+          <p:cNvPr id="21" name="Picture 20">
+            <a:extLst>
+              <a:ext uri="{FF2B5EF4-FFF2-40B4-BE49-F238E27FC236}">
+                <a16:creationId xmlns:a16="http://schemas.microsoft.com/office/drawing/2014/main" id="{BED48D79-546B-4F92-82F5-49FBCB88B0C1}"/>
+              </a:ext>
+            </a:extLst>
+          </p:cNvPr>
+          <p:cNvPicPr>
+            <a:picLocks noChangeAspect="1"/>
+          </p:cNvPicPr>
+          <p:nvPr/>
+        </p:nvPicPr>
+        <p:blipFill>
+          <a:blip r:embed="rId10"/>
+          <a:stretch>
+            <a:fillRect/>
+          </a:stretch>
+        </p:blipFill>
+        <p:spPr>
+          <a:xfrm>
+            <a:off x="5801614" y="2654583"/>
+            <a:ext cx="2724540" cy="1982781"/>
+          </a:xfrm>
+          <a:prstGeom prst="rect">
+            <a:avLst/>
+          </a:prstGeom>
+        </p:spPr>
+      </p:pic>
+      <p:pic>
+        <p:nvPicPr>
+          <p:cNvPr id="23" name="Picture 22">
+            <a:extLst>
+              <a:ext uri="{FF2B5EF4-FFF2-40B4-BE49-F238E27FC236}">
+                <a16:creationId xmlns:a16="http://schemas.microsoft.com/office/drawing/2014/main" id="{C044AB67-2E58-4F38-AF9A-13297D7AD960}"/>
+              </a:ext>
+            </a:extLst>
+          </p:cNvPr>
+          <p:cNvPicPr>
+            <a:picLocks noChangeAspect="1"/>
+          </p:cNvPicPr>
+          <p:nvPr/>
+        </p:nvPicPr>
+        <p:blipFill>
+          <a:blip r:embed="rId11"/>
+          <a:stretch>
+            <a:fillRect/>
+          </a:stretch>
+        </p:blipFill>
+        <p:spPr>
+          <a:xfrm>
+            <a:off x="8526153" y="2654582"/>
+            <a:ext cx="2724540" cy="1982781"/>
+          </a:xfrm>
+          <a:prstGeom prst="rect">
+            <a:avLst/>
+          </a:prstGeom>
+        </p:spPr>
+      </p:pic>
+      <p:sp>
+        <p:nvSpPr>
+          <p:cNvPr id="25" name="TextBox 24">
+            <a:extLst>
+              <a:ext uri="{FF2B5EF4-FFF2-40B4-BE49-F238E27FC236}">
+                <a16:creationId xmlns:a16="http://schemas.microsoft.com/office/drawing/2014/main" id="{42E5CFDE-707A-407C-9547-6C0A67E23FC9}"/>
+              </a:ext>
+            </a:extLst>
+          </p:cNvPr>
+          <p:cNvSpPr txBox="1"/>
+          <p:nvPr/>
+        </p:nvSpPr>
+        <p:spPr>
+          <a:xfrm>
+            <a:off x="5449076" y="4637363"/>
+            <a:ext cx="6562411" cy="2308324"/>
+          </a:xfrm>
+          <a:prstGeom prst="rect">
+            <a:avLst/>
+          </a:prstGeom>
+          <a:noFill/>
+        </p:spPr>
+        <p:txBody>
+          <a:bodyPr wrap="square" rtlCol="0">
+            <a:spAutoFit/>
+          </a:bodyPr>
+          <a:lstStyle/>
+          <a:p>
+            <a:r>
+              <a:rPr lang="en-US" dirty="0"/>
+              <a:t>[2] to [6] are variables that dictate the first action </a:t>
             </a:r>
             <a:r>
               <a:rPr lang="en-US" dirty="0" err="1"/>
-              <a:t>cont</a:t>
-            </a:r>
-            <a:endParaRPr lang="en-US" dirty="0"/>
-          </a:p>
-        </p:txBody>
-      </p:sp>
-      <p:sp>
-        <p:nvSpPr>
-          <p:cNvPr id="3" name="Content Placeholder 2">
-            <a:extLst>
-              <a:ext uri="{FF2B5EF4-FFF2-40B4-BE49-F238E27FC236}">
-                <a16:creationId xmlns:a16="http://schemas.microsoft.com/office/drawing/2014/main" id="{D5449A94-A4CB-4459-9095-15CFE526EA60}"/>
-              </a:ext>
-            </a:extLst>
-          </p:cNvPr>
-          <p:cNvSpPr>
-            <a:spLocks noGrp="1"/>
-          </p:cNvSpPr>
-          <p:nvPr>
-            <p:ph idx="1"/>
-          </p:nvPr>
-        </p:nvSpPr>
-        <p:spPr/>
-        <p:txBody>
-          <a:bodyPr/>
-          <a:lstStyle/>
-          <a:p>
-            <a:endParaRPr lang="en-US"/>
+              <a:t>ie</a:t>
+            </a:r>
+            <a:r>
+              <a:rPr lang="en-US" dirty="0"/>
+              <a:t>, chance of move take or ask attempt as a first try. I ran tests on each to range each variable chance from 0.002 to 0.35 in 0.001 </a:t>
+            </a:r>
+            <a:r>
+              <a:rPr lang="en-US" dirty="0" err="1"/>
+              <a:t>intervals.From</a:t>
+            </a:r>
+            <a:r>
+              <a:rPr lang="en-US" dirty="0"/>
+              <a:t> my testing it seems that while higher intervals help the win amounts it doesn’t make or break the overall averages.</a:t>
+            </a:r>
+            <a:br>
+              <a:rPr lang="en-US" dirty="0"/>
+            </a:br>
+            <a:r>
+              <a:rPr lang="en-US" dirty="0"/>
+              <a:t>The graphs show number of wins and losses per 50 games for 10k games</a:t>
+            </a:r>
           </a:p>
         </p:txBody>
       </p:sp>
